--- a/Automated Maintenance System.pptx
+++ b/Automated Maintenance System.pptx
@@ -7,8 +7,11 @@
   <p:sldIdLst>
     <p:sldId id="256" r:id="rId2"/>
     <p:sldId id="258" r:id="rId3"/>
-    <p:sldId id="259" r:id="rId4"/>
-    <p:sldId id="260" r:id="rId5"/>
+    <p:sldId id="262" r:id="rId4"/>
+    <p:sldId id="263" r:id="rId5"/>
+    <p:sldId id="259" r:id="rId6"/>
+    <p:sldId id="260" r:id="rId7"/>
+    <p:sldId id="261" r:id="rId8"/>
   </p:sldIdLst>
   <p:sldSz cx="12192000" cy="6858000"/>
   <p:notesSz cx="6858000" cy="9144000"/>
@@ -301,7 +304,7 @@
           <a:p>
             <a:fld id="{57D5B441-CFD5-4B1C-A166-BEFAA7DD2AD8}" type="datetimeFigureOut">
               <a:rPr lang="en-SG" smtClean="0"/>
-              <a:t>23/6/2023</a:t>
+              <a:t>27/6/2023</a:t>
             </a:fld>
             <a:endParaRPr lang="en-SG"/>
           </a:p>
@@ -576,7 +579,7 @@
           <a:p>
             <a:fld id="{57D5B441-CFD5-4B1C-A166-BEFAA7DD2AD8}" type="datetimeFigureOut">
               <a:rPr lang="en-SG" smtClean="0"/>
-              <a:t>23/6/2023</a:t>
+              <a:t>27/6/2023</a:t>
             </a:fld>
             <a:endParaRPr lang="en-SG"/>
           </a:p>
@@ -770,7 +773,7 @@
           <a:p>
             <a:fld id="{57D5B441-CFD5-4B1C-A166-BEFAA7DD2AD8}" type="datetimeFigureOut">
               <a:rPr lang="en-SG" smtClean="0"/>
-              <a:t>23/6/2023</a:t>
+              <a:t>27/6/2023</a:t>
             </a:fld>
             <a:endParaRPr lang="en-SG"/>
           </a:p>
@@ -1043,7 +1046,7 @@
           <a:p>
             <a:fld id="{57D5B441-CFD5-4B1C-A166-BEFAA7DD2AD8}" type="datetimeFigureOut">
               <a:rPr lang="en-SG" smtClean="0"/>
-              <a:t>23/6/2023</a:t>
+              <a:t>27/6/2023</a:t>
             </a:fld>
             <a:endParaRPr lang="en-SG"/>
           </a:p>
@@ -1384,7 +1387,7 @@
           <a:p>
             <a:fld id="{57D5B441-CFD5-4B1C-A166-BEFAA7DD2AD8}" type="datetimeFigureOut">
               <a:rPr lang="en-SG" smtClean="0"/>
-              <a:t>23/6/2023</a:t>
+              <a:t>27/6/2023</a:t>
             </a:fld>
             <a:endParaRPr lang="en-SG"/>
           </a:p>
@@ -2007,7 +2010,7 @@
           <a:p>
             <a:fld id="{57D5B441-CFD5-4B1C-A166-BEFAA7DD2AD8}" type="datetimeFigureOut">
               <a:rPr lang="en-SG" smtClean="0"/>
-              <a:t>23/6/2023</a:t>
+              <a:t>27/6/2023</a:t>
             </a:fld>
             <a:endParaRPr lang="en-SG"/>
           </a:p>
@@ -2867,7 +2870,7 @@
           <a:p>
             <a:fld id="{57D5B441-CFD5-4B1C-A166-BEFAA7DD2AD8}" type="datetimeFigureOut">
               <a:rPr lang="en-SG" smtClean="0"/>
-              <a:t>23/6/2023</a:t>
+              <a:t>27/6/2023</a:t>
             </a:fld>
             <a:endParaRPr lang="en-SG"/>
           </a:p>
@@ -3037,7 +3040,7 @@
           <a:p>
             <a:fld id="{57D5B441-CFD5-4B1C-A166-BEFAA7DD2AD8}" type="datetimeFigureOut">
               <a:rPr lang="en-SG" smtClean="0"/>
-              <a:t>23/6/2023</a:t>
+              <a:t>27/6/2023</a:t>
             </a:fld>
             <a:endParaRPr lang="en-SG"/>
           </a:p>
@@ -3217,7 +3220,7 @@
           <a:p>
             <a:fld id="{57D5B441-CFD5-4B1C-A166-BEFAA7DD2AD8}" type="datetimeFigureOut">
               <a:rPr lang="en-SG" smtClean="0"/>
-              <a:t>23/6/2023</a:t>
+              <a:t>27/6/2023</a:t>
             </a:fld>
             <a:endParaRPr lang="en-SG"/>
           </a:p>
@@ -3387,7 +3390,7 @@
           <a:p>
             <a:fld id="{57D5B441-CFD5-4B1C-A166-BEFAA7DD2AD8}" type="datetimeFigureOut">
               <a:rPr lang="en-SG" smtClean="0"/>
-              <a:t>23/6/2023</a:t>
+              <a:t>27/6/2023</a:t>
             </a:fld>
             <a:endParaRPr lang="en-SG"/>
           </a:p>
@@ -3634,7 +3637,7 @@
           <a:p>
             <a:fld id="{57D5B441-CFD5-4B1C-A166-BEFAA7DD2AD8}" type="datetimeFigureOut">
               <a:rPr lang="en-SG" smtClean="0"/>
-              <a:t>23/6/2023</a:t>
+              <a:t>27/6/2023</a:t>
             </a:fld>
             <a:endParaRPr lang="en-SG"/>
           </a:p>
@@ -3926,7 +3929,7 @@
           <a:p>
             <a:fld id="{57D5B441-CFD5-4B1C-A166-BEFAA7DD2AD8}" type="datetimeFigureOut">
               <a:rPr lang="en-SG" smtClean="0"/>
-              <a:t>23/6/2023</a:t>
+              <a:t>27/6/2023</a:t>
             </a:fld>
             <a:endParaRPr lang="en-SG"/>
           </a:p>
@@ -4370,7 +4373,7 @@
           <a:p>
             <a:fld id="{57D5B441-CFD5-4B1C-A166-BEFAA7DD2AD8}" type="datetimeFigureOut">
               <a:rPr lang="en-SG" smtClean="0"/>
-              <a:t>23/6/2023</a:t>
+              <a:t>27/6/2023</a:t>
             </a:fld>
             <a:endParaRPr lang="en-SG"/>
           </a:p>
@@ -4488,7 +4491,7 @@
           <a:p>
             <a:fld id="{57D5B441-CFD5-4B1C-A166-BEFAA7DD2AD8}" type="datetimeFigureOut">
               <a:rPr lang="en-SG" smtClean="0"/>
-              <a:t>23/6/2023</a:t>
+              <a:t>27/6/2023</a:t>
             </a:fld>
             <a:endParaRPr lang="en-SG"/>
           </a:p>
@@ -4583,7 +4586,7 @@
           <a:p>
             <a:fld id="{57D5B441-CFD5-4B1C-A166-BEFAA7DD2AD8}" type="datetimeFigureOut">
               <a:rPr lang="en-SG" smtClean="0"/>
-              <a:t>23/6/2023</a:t>
+              <a:t>27/6/2023</a:t>
             </a:fld>
             <a:endParaRPr lang="en-SG"/>
           </a:p>
@@ -4862,7 +4865,7 @@
           <a:p>
             <a:fld id="{57D5B441-CFD5-4B1C-A166-BEFAA7DD2AD8}" type="datetimeFigureOut">
               <a:rPr lang="en-SG" smtClean="0"/>
-              <a:t>23/6/2023</a:t>
+              <a:t>27/6/2023</a:t>
             </a:fld>
             <a:endParaRPr lang="en-SG"/>
           </a:p>
@@ -5137,7 +5140,7 @@
           <a:p>
             <a:fld id="{57D5B441-CFD5-4B1C-A166-BEFAA7DD2AD8}" type="datetimeFigureOut">
               <a:rPr lang="en-SG" smtClean="0"/>
-              <a:t>23/6/2023</a:t>
+              <a:t>27/6/2023</a:t>
             </a:fld>
             <a:endParaRPr lang="en-SG"/>
           </a:p>
@@ -5566,7 +5569,7 @@
           <a:p>
             <a:fld id="{57D5B441-CFD5-4B1C-A166-BEFAA7DD2AD8}" type="datetimeFigureOut">
               <a:rPr lang="en-SG" smtClean="0"/>
-              <a:t>23/6/2023</a:t>
+              <a:t>27/6/2023</a:t>
             </a:fld>
             <a:endParaRPr lang="en-SG"/>
           </a:p>
@@ -6145,8 +6148,8 @@
         </p:nvSpPr>
         <p:spPr>
           <a:xfrm>
-            <a:off x="4054135" y="5046903"/>
-            <a:ext cx="7954393" cy="923330"/>
+            <a:off x="113213" y="5579601"/>
+            <a:ext cx="5730240" cy="461665"/>
           </a:xfrm>
           <a:prstGeom prst="rect">
             <a:avLst/>
@@ -6161,10 +6164,10 @@
           <a:p>
             <a:pPr algn="ctr"/>
             <a:r>
-              <a:rPr lang="en-US" sz="5400" dirty="0"/>
-              <a:t>Kimberly-Clark Tuas Mill</a:t>
-            </a:r>
-            <a:endParaRPr lang="en-SG" sz="5400" dirty="0"/>
+              <a:rPr lang="en-US" sz="2400" dirty="0"/>
+              <a:t>Kimberly-Clark Singapore Tuas Mill</a:t>
+            </a:r>
+            <a:endParaRPr lang="en-SG" sz="2400" dirty="0"/>
           </a:p>
         </p:txBody>
       </p:sp>
@@ -6173,7 +6176,7 @@
           <p:cNvPr id="2" name="TextBox 1">
             <a:extLst>
               <a:ext uri="{FF2B5EF4-FFF2-40B4-BE49-F238E27FC236}">
-                <a16:creationId xmlns:a16="http://schemas.microsoft.com/office/drawing/2014/main" id="{C3D51E8E-CA73-76F7-90DE-8223331FCB39}"/>
+                <a16:creationId xmlns:a16="http://schemas.microsoft.com/office/drawing/2014/main" id="{BC633B93-12B9-EB08-C4F7-CAB984B9102C}"/>
               </a:ext>
             </a:extLst>
           </p:cNvPr>
@@ -6182,8 +6185,8 @@
         </p:nvSpPr>
         <p:spPr>
           <a:xfrm>
-            <a:off x="10999434" y="6418555"/>
-            <a:ext cx="914400" cy="261610"/>
+            <a:off x="10250750" y="1114697"/>
+            <a:ext cx="1097280" cy="261610"/>
           </a:xfrm>
           <a:prstGeom prst="rect">
             <a:avLst/>
@@ -6198,9 +6201,8 @@
           <a:p>
             <a:r>
               <a:rPr lang="en-US" sz="1100" dirty="0"/>
-              <a:t>19Jun2023</a:t>
-            </a:r>
-            <a:endParaRPr lang="en-SG" sz="1100" dirty="0"/>
+              <a:t>June 18,2023</a:t>
+            </a:r>
           </a:p>
         </p:txBody>
       </p:sp>
@@ -6256,8 +6258,8 @@
         </p:blipFill>
         <p:spPr>
           <a:xfrm>
-            <a:off x="278052" y="1076083"/>
-            <a:ext cx="7922562" cy="4247316"/>
+            <a:off x="1235995" y="977723"/>
+            <a:ext cx="9144782" cy="4902553"/>
           </a:xfrm>
           <a:prstGeom prst="rect">
             <a:avLst/>
@@ -6278,8 +6280,8 @@
         </p:nvSpPr>
         <p:spPr>
           <a:xfrm>
-            <a:off x="278052" y="261666"/>
-            <a:ext cx="2465773" cy="461665"/>
+            <a:off x="408680" y="330753"/>
+            <a:ext cx="9144782" cy="461665"/>
           </a:xfrm>
           <a:prstGeom prst="rect">
             <a:avLst/>
@@ -6294,135 +6296,61 @@
           <a:p>
             <a:r>
               <a:rPr lang="en-US" sz="2400" i="1" dirty="0"/>
-              <a:t>User Interface</a:t>
-            </a:r>
-            <a:endParaRPr lang="en-SG" sz="2400" i="1" dirty="0"/>
-          </a:p>
-        </p:txBody>
-      </p:sp>
-      <p:sp>
-        <p:nvSpPr>
-          <p:cNvPr id="6" name="TextBox 5">
+              <a:t>User Interface </a:t>
+            </a:r>
+            <a:r>
+              <a:rPr lang="en-US" sz="1600" i="1" dirty="0"/>
+              <a:t>(simple, clean, informative UX/UI in actual machine setup layout)</a:t>
+            </a:r>
+            <a:endParaRPr lang="en-SG" sz="1600" i="1" dirty="0"/>
+          </a:p>
+        </p:txBody>
+      </p:sp>
+      <p:sp>
+        <p:nvSpPr>
+          <p:cNvPr id="2" name="Rectangle 1">
             <a:extLst>
               <a:ext uri="{FF2B5EF4-FFF2-40B4-BE49-F238E27FC236}">
-                <a16:creationId xmlns:a16="http://schemas.microsoft.com/office/drawing/2014/main" id="{F61613FB-9F80-9E9E-C50B-92174CE859FC}"/>
+                <a16:creationId xmlns:a16="http://schemas.microsoft.com/office/drawing/2014/main" id="{FC812D81-E546-EC69-9EED-D42CB90E4921}"/>
               </a:ext>
             </a:extLst>
           </p:cNvPr>
-          <p:cNvSpPr txBox="1"/>
+          <p:cNvSpPr/>
           <p:nvPr/>
         </p:nvSpPr>
         <p:spPr>
           <a:xfrm>
-            <a:off x="8526538" y="1381830"/>
-            <a:ext cx="3284738" cy="4247317"/>
+            <a:off x="2873828" y="6065581"/>
+            <a:ext cx="5451725" cy="332509"/>
           </a:xfrm>
           <a:prstGeom prst="rect">
             <a:avLst/>
           </a:prstGeom>
-          <a:noFill/>
-        </p:spPr>
-        <p:txBody>
-          <a:bodyPr wrap="square" rtlCol="0">
-            <a:spAutoFit/>
-          </a:bodyPr>
+        </p:spPr>
+        <p:style>
+          <a:lnRef idx="2">
+            <a:schemeClr val="accent1">
+              <a:shade val="50000"/>
+            </a:schemeClr>
+          </a:lnRef>
+          <a:fillRef idx="1">
+            <a:schemeClr val="accent1"/>
+          </a:fillRef>
+          <a:effectRef idx="0">
+            <a:schemeClr val="accent1"/>
+          </a:effectRef>
+          <a:fontRef idx="minor">
+            <a:schemeClr val="lt1"/>
+          </a:fontRef>
+        </p:style>
+        <p:txBody>
+          <a:bodyPr rtlCol="0" anchor="ctr"/>
           <a:lstStyle/>
           <a:p>
-            <a:r>
-              <a:rPr lang="en-US" dirty="0"/>
-              <a:t>Dynamic Visual Info’s:</a:t>
-            </a:r>
-          </a:p>
-          <a:p>
-            <a:endParaRPr lang="en-US" dirty="0"/>
-          </a:p>
-          <a:p>
-            <a:pPr marL="342900" indent="-342900">
-              <a:buAutoNum type="arabicPeriod"/>
-            </a:pPr>
-            <a:r>
-              <a:rPr lang="en-US" dirty="0"/>
-              <a:t>Overall machine health condition</a:t>
-            </a:r>
-          </a:p>
-          <a:p>
-            <a:pPr marL="342900" indent="-342900">
-              <a:buAutoNum type="arabicPeriod"/>
-            </a:pPr>
-            <a:r>
-              <a:rPr lang="en-SG" dirty="0"/>
-              <a:t>Pending items per section</a:t>
-            </a:r>
-          </a:p>
-          <a:p>
-            <a:pPr marL="342900" indent="-342900">
-              <a:buAutoNum type="arabicPeriod"/>
-            </a:pPr>
-            <a:r>
-              <a:rPr lang="en-SG" dirty="0"/>
-              <a:t>Health condition per section</a:t>
-            </a:r>
-          </a:p>
-          <a:p>
-            <a:pPr marL="342900" indent="-342900">
-              <a:buAutoNum type="arabicPeriod"/>
-            </a:pPr>
-            <a:r>
-              <a:rPr lang="en-SG" dirty="0"/>
-              <a:t>Green buttons means that all items in that particular section are OK</a:t>
-            </a:r>
-          </a:p>
-          <a:p>
-            <a:pPr marL="342900" indent="-342900">
-              <a:buAutoNum type="arabicPeriod"/>
-            </a:pPr>
-            <a:r>
-              <a:rPr lang="en-SG" dirty="0"/>
-              <a:t>Red button shows that there is a needed maintenance item for a particular section</a:t>
-            </a:r>
-          </a:p>
-        </p:txBody>
-      </p:sp>
-      <p:sp>
-        <p:nvSpPr>
-          <p:cNvPr id="8" name="TextBox 7">
-            <a:extLst>
-              <a:ext uri="{FF2B5EF4-FFF2-40B4-BE49-F238E27FC236}">
-                <a16:creationId xmlns:a16="http://schemas.microsoft.com/office/drawing/2014/main" id="{98140247-B6AA-BF16-744B-7F4E914001ED}"/>
-              </a:ext>
-            </a:extLst>
-          </p:cNvPr>
-          <p:cNvSpPr txBox="1"/>
-          <p:nvPr/>
-        </p:nvSpPr>
-        <p:spPr>
-          <a:xfrm>
-            <a:off x="380724" y="5471445"/>
-            <a:ext cx="7922045" cy="923330"/>
-          </a:xfrm>
-          <a:prstGeom prst="rect">
-            <a:avLst/>
-          </a:prstGeom>
-          <a:noFill/>
-        </p:spPr>
-        <p:txBody>
-          <a:bodyPr wrap="square" rtlCol="0">
-            <a:spAutoFit/>
-          </a:bodyPr>
-          <a:lstStyle/>
-          <a:p>
-            <a:r>
-              <a:rPr lang="en-US" dirty="0"/>
-              <a:t>Interactive Controls:</a:t>
-            </a:r>
-          </a:p>
-          <a:p>
-            <a:endParaRPr lang="en-US" dirty="0"/>
-          </a:p>
-          <a:p>
-            <a:r>
-              <a:rPr lang="en-US" dirty="0"/>
-              <a:t>	Buttons, List box, input box, message box</a:t>
+            <a:pPr algn="ctr"/>
+            <a:r>
+              <a:rPr lang="en-US" sz="1600" dirty="0"/>
+              <a:t>Dynamic Visual Info’s and Interactive Controls</a:t>
             </a:r>
           </a:p>
         </p:txBody>
@@ -6441,6 +6369,1094 @@
 </file>
 
 <file path=ppt/slides/slide3.xml><?xml version="1.0" encoding="utf-8"?>
+<p:sld xmlns:a="http://schemas.openxmlformats.org/drawingml/2006/main" xmlns:r="http://schemas.openxmlformats.org/officeDocument/2006/relationships" xmlns:p="http://schemas.openxmlformats.org/presentationml/2006/main">
+  <p:cSld>
+    <p:spTree>
+      <p:nvGrpSpPr>
+        <p:cNvPr id="1" name=""/>
+        <p:cNvGrpSpPr/>
+        <p:nvPr/>
+      </p:nvGrpSpPr>
+      <p:grpSpPr>
+        <a:xfrm>
+          <a:off x="0" y="0"/>
+          <a:ext cx="0" cy="0"/>
+          <a:chOff x="0" y="0"/>
+          <a:chExt cx="0" cy="0"/>
+        </a:xfrm>
+      </p:grpSpPr>
+      <p:sp>
+        <p:nvSpPr>
+          <p:cNvPr id="6" name="TextBox 5">
+            <a:extLst>
+              <a:ext uri="{FF2B5EF4-FFF2-40B4-BE49-F238E27FC236}">
+                <a16:creationId xmlns:a16="http://schemas.microsoft.com/office/drawing/2014/main" id="{D9DE01DA-39D8-4619-8FAA-A4EBDD366BF6}"/>
+              </a:ext>
+            </a:extLst>
+          </p:cNvPr>
+          <p:cNvSpPr txBox="1"/>
+          <p:nvPr/>
+        </p:nvSpPr>
+        <p:spPr>
+          <a:xfrm>
+            <a:off x="8859008" y="1284611"/>
+            <a:ext cx="3284738" cy="4524315"/>
+          </a:xfrm>
+          <a:prstGeom prst="rect">
+            <a:avLst/>
+          </a:prstGeom>
+          <a:noFill/>
+        </p:spPr>
+        <p:txBody>
+          <a:bodyPr wrap="square" rtlCol="0">
+            <a:spAutoFit/>
+          </a:bodyPr>
+          <a:lstStyle/>
+          <a:p>
+            <a:endParaRPr lang="en-US" sz="1600" dirty="0"/>
+          </a:p>
+          <a:p>
+            <a:pPr marL="342900" indent="-342900">
+              <a:buAutoNum type="arabicPeriod"/>
+            </a:pPr>
+            <a:r>
+              <a:rPr lang="en-US" sz="1600" dirty="0"/>
+              <a:t>Overall machine health condition</a:t>
+            </a:r>
+          </a:p>
+          <a:p>
+            <a:pPr marL="342900" indent="-342900">
+              <a:buAutoNum type="arabicPeriod"/>
+            </a:pPr>
+            <a:r>
+              <a:rPr lang="en-SG" sz="1600" dirty="0"/>
+              <a:t>Pending items per section</a:t>
+            </a:r>
+          </a:p>
+          <a:p>
+            <a:pPr marL="342900" indent="-342900">
+              <a:buAutoNum type="arabicPeriod"/>
+            </a:pPr>
+            <a:r>
+              <a:rPr lang="en-SG" sz="1600" dirty="0"/>
+              <a:t>Health condition per section</a:t>
+            </a:r>
+          </a:p>
+          <a:p>
+            <a:pPr marL="342900" indent="-342900">
+              <a:buAutoNum type="arabicPeriod"/>
+            </a:pPr>
+            <a:r>
+              <a:rPr lang="en-SG" sz="1600" dirty="0"/>
+              <a:t>Green buttons means, zero pending items (100% healthy)</a:t>
+            </a:r>
+          </a:p>
+          <a:p>
+            <a:pPr marL="342900" indent="-342900">
+              <a:buAutoNum type="arabicPeriod"/>
+            </a:pPr>
+            <a:r>
+              <a:rPr lang="en-SG" sz="1600" dirty="0"/>
+              <a:t>Red button shows that there is a needed maintenance item for a particular section</a:t>
+            </a:r>
+          </a:p>
+          <a:p>
+            <a:pPr marL="342900" indent="-342900">
+              <a:buAutoNum type="arabicPeriod"/>
+            </a:pPr>
+            <a:r>
+              <a:rPr lang="en-SG" sz="1600" dirty="0"/>
+              <a:t>Top and Bottom banners for reminders, announcements, etc.</a:t>
+            </a:r>
+          </a:p>
+          <a:p>
+            <a:pPr marL="342900" indent="-342900">
+              <a:buAutoNum type="arabicPeriod"/>
+            </a:pPr>
+            <a:r>
+              <a:rPr lang="en-SG" sz="1600" dirty="0"/>
+              <a:t>Zoom control to fit all screen size</a:t>
+            </a:r>
+          </a:p>
+        </p:txBody>
+      </p:sp>
+      <p:sp>
+        <p:nvSpPr>
+          <p:cNvPr id="7" name="TextBox 6">
+            <a:extLst>
+              <a:ext uri="{FF2B5EF4-FFF2-40B4-BE49-F238E27FC236}">
+                <a16:creationId xmlns:a16="http://schemas.microsoft.com/office/drawing/2014/main" id="{6C711537-E3F0-D053-2561-043152DF2A46}"/>
+              </a:ext>
+            </a:extLst>
+          </p:cNvPr>
+          <p:cNvSpPr txBox="1"/>
+          <p:nvPr/>
+        </p:nvSpPr>
+        <p:spPr>
+          <a:xfrm>
+            <a:off x="304178" y="292408"/>
+            <a:ext cx="3710474" cy="461665"/>
+          </a:xfrm>
+          <a:prstGeom prst="rect">
+            <a:avLst/>
+          </a:prstGeom>
+          <a:noFill/>
+        </p:spPr>
+        <p:txBody>
+          <a:bodyPr wrap="square">
+            <a:spAutoFit/>
+          </a:bodyPr>
+          <a:lstStyle/>
+          <a:p>
+            <a:r>
+              <a:rPr lang="en-US" sz="2400" dirty="0"/>
+              <a:t>Dynamic Visual Info’s</a:t>
+            </a:r>
+            <a:endParaRPr lang="en-SG" sz="2400" i="1" dirty="0"/>
+          </a:p>
+        </p:txBody>
+      </p:sp>
+      <p:grpSp>
+        <p:nvGrpSpPr>
+          <p:cNvPr id="14" name="Group 13">
+            <a:extLst>
+              <a:ext uri="{FF2B5EF4-FFF2-40B4-BE49-F238E27FC236}">
+                <a16:creationId xmlns:a16="http://schemas.microsoft.com/office/drawing/2014/main" id="{08B97F60-2068-95C2-AAD5-7847ED101E1E}"/>
+              </a:ext>
+            </a:extLst>
+          </p:cNvPr>
+          <p:cNvGrpSpPr/>
+          <p:nvPr/>
+        </p:nvGrpSpPr>
+        <p:grpSpPr>
+          <a:xfrm>
+            <a:off x="317599" y="1110034"/>
+            <a:ext cx="8390769" cy="5098912"/>
+            <a:chOff x="385150" y="1095125"/>
+            <a:chExt cx="8390769" cy="5098912"/>
+          </a:xfrm>
+        </p:grpSpPr>
+        <p:pic>
+          <p:nvPicPr>
+            <p:cNvPr id="5" name="Picture 4">
+              <a:extLst>
+                <a:ext uri="{FF2B5EF4-FFF2-40B4-BE49-F238E27FC236}">
+                  <a16:creationId xmlns:a16="http://schemas.microsoft.com/office/drawing/2014/main" id="{F42E54F6-D6D6-9CCE-D2AD-9CB1BDE26B27}"/>
+                </a:ext>
+              </a:extLst>
+            </p:cNvPr>
+            <p:cNvPicPr>
+              <a:picLocks noChangeAspect="1"/>
+            </p:cNvPicPr>
+            <p:nvPr/>
+          </p:nvPicPr>
+          <p:blipFill>
+            <a:blip r:embed="rId2"/>
+            <a:stretch>
+              <a:fillRect/>
+            </a:stretch>
+          </p:blipFill>
+          <p:spPr>
+            <a:xfrm>
+              <a:off x="385150" y="1095125"/>
+              <a:ext cx="8390769" cy="4811529"/>
+            </a:xfrm>
+            <a:prstGeom prst="rect">
+              <a:avLst/>
+            </a:prstGeom>
+          </p:spPr>
+        </p:pic>
+        <p:sp>
+          <p:nvSpPr>
+            <p:cNvPr id="8" name="Oval 7">
+              <a:extLst>
+                <a:ext uri="{FF2B5EF4-FFF2-40B4-BE49-F238E27FC236}">
+                  <a16:creationId xmlns:a16="http://schemas.microsoft.com/office/drawing/2014/main" id="{D2B213B1-1882-E063-BE54-7063E7A51E80}"/>
+                </a:ext>
+              </a:extLst>
+            </p:cNvPr>
+            <p:cNvSpPr/>
+            <p:nvPr/>
+          </p:nvSpPr>
+          <p:spPr>
+            <a:xfrm>
+              <a:off x="3532487" y="5880529"/>
+              <a:ext cx="339634" cy="313508"/>
+            </a:xfrm>
+            <a:prstGeom prst="ellipse">
+              <a:avLst/>
+            </a:prstGeom>
+          </p:spPr>
+          <p:style>
+            <a:lnRef idx="2">
+              <a:schemeClr val="accent1">
+                <a:shade val="50000"/>
+              </a:schemeClr>
+            </a:lnRef>
+            <a:fillRef idx="1">
+              <a:schemeClr val="accent1"/>
+            </a:fillRef>
+            <a:effectRef idx="0">
+              <a:schemeClr val="accent1"/>
+            </a:effectRef>
+            <a:fontRef idx="minor">
+              <a:schemeClr val="lt1"/>
+            </a:fontRef>
+          </p:style>
+          <p:txBody>
+            <a:bodyPr rtlCol="0" anchor="ctr"/>
+            <a:lstStyle/>
+            <a:p>
+              <a:pPr algn="ctr"/>
+              <a:r>
+                <a:rPr lang="en-US" dirty="0"/>
+                <a:t>6</a:t>
+              </a:r>
+            </a:p>
+          </p:txBody>
+        </p:sp>
+        <p:sp>
+          <p:nvSpPr>
+            <p:cNvPr id="9" name="Oval 8">
+              <a:extLst>
+                <a:ext uri="{FF2B5EF4-FFF2-40B4-BE49-F238E27FC236}">
+                  <a16:creationId xmlns:a16="http://schemas.microsoft.com/office/drawing/2014/main" id="{27DA1520-52AC-5CA8-FC9E-9D867ED6EEED}"/>
+                </a:ext>
+              </a:extLst>
+            </p:cNvPr>
+            <p:cNvSpPr/>
+            <p:nvPr/>
+          </p:nvSpPr>
+          <p:spPr>
+            <a:xfrm>
+              <a:off x="1141810" y="2393439"/>
+              <a:ext cx="339634" cy="313508"/>
+            </a:xfrm>
+            <a:prstGeom prst="ellipse">
+              <a:avLst/>
+            </a:prstGeom>
+          </p:spPr>
+          <p:style>
+            <a:lnRef idx="2">
+              <a:schemeClr val="accent1">
+                <a:shade val="50000"/>
+              </a:schemeClr>
+            </a:lnRef>
+            <a:fillRef idx="1">
+              <a:schemeClr val="accent1"/>
+            </a:fillRef>
+            <a:effectRef idx="0">
+              <a:schemeClr val="accent1"/>
+            </a:effectRef>
+            <a:fontRef idx="minor">
+              <a:schemeClr val="lt1"/>
+            </a:fontRef>
+          </p:style>
+          <p:txBody>
+            <a:bodyPr rtlCol="0" anchor="ctr"/>
+            <a:lstStyle/>
+            <a:p>
+              <a:pPr algn="ctr"/>
+              <a:r>
+                <a:rPr lang="en-US" dirty="0"/>
+                <a:t>1</a:t>
+              </a:r>
+            </a:p>
+          </p:txBody>
+        </p:sp>
+        <p:sp>
+          <p:nvSpPr>
+            <p:cNvPr id="10" name="Oval 9">
+              <a:extLst>
+                <a:ext uri="{FF2B5EF4-FFF2-40B4-BE49-F238E27FC236}">
+                  <a16:creationId xmlns:a16="http://schemas.microsoft.com/office/drawing/2014/main" id="{8B24202B-6EAA-C913-6B5A-94BD5E24CAB8}"/>
+                </a:ext>
+              </a:extLst>
+            </p:cNvPr>
+            <p:cNvSpPr/>
+            <p:nvPr/>
+          </p:nvSpPr>
+          <p:spPr>
+            <a:xfrm>
+              <a:off x="2238103" y="2220686"/>
+              <a:ext cx="339634" cy="313508"/>
+            </a:xfrm>
+            <a:prstGeom prst="ellipse">
+              <a:avLst/>
+            </a:prstGeom>
+          </p:spPr>
+          <p:style>
+            <a:lnRef idx="2">
+              <a:schemeClr val="accent1">
+                <a:shade val="50000"/>
+              </a:schemeClr>
+            </a:lnRef>
+            <a:fillRef idx="1">
+              <a:schemeClr val="accent1"/>
+            </a:fillRef>
+            <a:effectRef idx="0">
+              <a:schemeClr val="accent1"/>
+            </a:effectRef>
+            <a:fontRef idx="minor">
+              <a:schemeClr val="lt1"/>
+            </a:fontRef>
+          </p:style>
+          <p:txBody>
+            <a:bodyPr rtlCol="0" anchor="ctr"/>
+            <a:lstStyle/>
+            <a:p>
+              <a:pPr algn="ctr"/>
+              <a:r>
+                <a:rPr lang="en-US" dirty="0"/>
+                <a:t>2</a:t>
+              </a:r>
+            </a:p>
+          </p:txBody>
+        </p:sp>
+        <p:sp>
+          <p:nvSpPr>
+            <p:cNvPr id="11" name="Oval 10">
+              <a:extLst>
+                <a:ext uri="{FF2B5EF4-FFF2-40B4-BE49-F238E27FC236}">
+                  <a16:creationId xmlns:a16="http://schemas.microsoft.com/office/drawing/2014/main" id="{AC949F8E-1A45-C2DF-A9C3-FCB4535566E6}"/>
+                </a:ext>
+              </a:extLst>
+            </p:cNvPr>
+            <p:cNvSpPr/>
+            <p:nvPr/>
+          </p:nvSpPr>
+          <p:spPr>
+            <a:xfrm>
+              <a:off x="7707086" y="2830286"/>
+              <a:ext cx="339634" cy="313508"/>
+            </a:xfrm>
+            <a:prstGeom prst="ellipse">
+              <a:avLst/>
+            </a:prstGeom>
+          </p:spPr>
+          <p:style>
+            <a:lnRef idx="2">
+              <a:schemeClr val="accent1">
+                <a:shade val="50000"/>
+              </a:schemeClr>
+            </a:lnRef>
+            <a:fillRef idx="1">
+              <a:schemeClr val="accent1"/>
+            </a:fillRef>
+            <a:effectRef idx="0">
+              <a:schemeClr val="accent1"/>
+            </a:effectRef>
+            <a:fontRef idx="minor">
+              <a:schemeClr val="lt1"/>
+            </a:fontRef>
+          </p:style>
+          <p:txBody>
+            <a:bodyPr rtlCol="0" anchor="ctr"/>
+            <a:lstStyle/>
+            <a:p>
+              <a:pPr algn="ctr"/>
+              <a:r>
+                <a:rPr lang="en-US" dirty="0"/>
+                <a:t>3</a:t>
+              </a:r>
+            </a:p>
+          </p:txBody>
+        </p:sp>
+        <p:sp>
+          <p:nvSpPr>
+            <p:cNvPr id="12" name="Oval 11">
+              <a:extLst>
+                <a:ext uri="{FF2B5EF4-FFF2-40B4-BE49-F238E27FC236}">
+                  <a16:creationId xmlns:a16="http://schemas.microsoft.com/office/drawing/2014/main" id="{E802B516-ED14-EEAB-DCBB-E5E30369F542}"/>
+                </a:ext>
+              </a:extLst>
+            </p:cNvPr>
+            <p:cNvSpPr/>
+            <p:nvPr/>
+          </p:nvSpPr>
+          <p:spPr>
+            <a:xfrm>
+              <a:off x="6156961" y="2569028"/>
+              <a:ext cx="339634" cy="313508"/>
+            </a:xfrm>
+            <a:prstGeom prst="ellipse">
+              <a:avLst/>
+            </a:prstGeom>
+          </p:spPr>
+          <p:style>
+            <a:lnRef idx="2">
+              <a:schemeClr val="accent1">
+                <a:shade val="50000"/>
+              </a:schemeClr>
+            </a:lnRef>
+            <a:fillRef idx="1">
+              <a:schemeClr val="accent1"/>
+            </a:fillRef>
+            <a:effectRef idx="0">
+              <a:schemeClr val="accent1"/>
+            </a:effectRef>
+            <a:fontRef idx="minor">
+              <a:schemeClr val="lt1"/>
+            </a:fontRef>
+          </p:style>
+          <p:txBody>
+            <a:bodyPr rtlCol="0" anchor="ctr"/>
+            <a:lstStyle/>
+            <a:p>
+              <a:pPr algn="ctr"/>
+              <a:r>
+                <a:rPr lang="en-US" dirty="0"/>
+                <a:t>4</a:t>
+              </a:r>
+            </a:p>
+          </p:txBody>
+        </p:sp>
+        <p:sp>
+          <p:nvSpPr>
+            <p:cNvPr id="13" name="Oval 12">
+              <a:extLst>
+                <a:ext uri="{FF2B5EF4-FFF2-40B4-BE49-F238E27FC236}">
+                  <a16:creationId xmlns:a16="http://schemas.microsoft.com/office/drawing/2014/main" id="{EAAED081-E39F-A42B-272D-8CD215110A2D}"/>
+                </a:ext>
+              </a:extLst>
+            </p:cNvPr>
+            <p:cNvSpPr/>
+            <p:nvPr/>
+          </p:nvSpPr>
+          <p:spPr>
+            <a:xfrm>
+              <a:off x="3362670" y="2987040"/>
+              <a:ext cx="339634" cy="313508"/>
+            </a:xfrm>
+            <a:prstGeom prst="ellipse">
+              <a:avLst/>
+            </a:prstGeom>
+          </p:spPr>
+          <p:style>
+            <a:lnRef idx="2">
+              <a:schemeClr val="accent1">
+                <a:shade val="50000"/>
+              </a:schemeClr>
+            </a:lnRef>
+            <a:fillRef idx="1">
+              <a:schemeClr val="accent1"/>
+            </a:fillRef>
+            <a:effectRef idx="0">
+              <a:schemeClr val="accent1"/>
+            </a:effectRef>
+            <a:fontRef idx="minor">
+              <a:schemeClr val="lt1"/>
+            </a:fontRef>
+          </p:style>
+          <p:txBody>
+            <a:bodyPr rtlCol="0" anchor="ctr"/>
+            <a:lstStyle/>
+            <a:p>
+              <a:pPr algn="ctr"/>
+              <a:r>
+                <a:rPr lang="en-US" dirty="0"/>
+                <a:t>5</a:t>
+              </a:r>
+            </a:p>
+          </p:txBody>
+        </p:sp>
+        <p:sp>
+          <p:nvSpPr>
+            <p:cNvPr id="15" name="Oval 14">
+              <a:extLst>
+                <a:ext uri="{FF2B5EF4-FFF2-40B4-BE49-F238E27FC236}">
+                  <a16:creationId xmlns:a16="http://schemas.microsoft.com/office/drawing/2014/main" id="{12B2C65B-BE21-704C-24E9-3AE231C3A4EE}"/>
+                </a:ext>
+              </a:extLst>
+            </p:cNvPr>
+            <p:cNvSpPr/>
+            <p:nvPr/>
+          </p:nvSpPr>
+          <p:spPr>
+            <a:xfrm>
+              <a:off x="596537" y="1280160"/>
+              <a:ext cx="339634" cy="313508"/>
+            </a:xfrm>
+            <a:prstGeom prst="ellipse">
+              <a:avLst/>
+            </a:prstGeom>
+          </p:spPr>
+          <p:style>
+            <a:lnRef idx="2">
+              <a:schemeClr val="accent1">
+                <a:shade val="50000"/>
+              </a:schemeClr>
+            </a:lnRef>
+            <a:fillRef idx="1">
+              <a:schemeClr val="accent1"/>
+            </a:fillRef>
+            <a:effectRef idx="0">
+              <a:schemeClr val="accent1"/>
+            </a:effectRef>
+            <a:fontRef idx="minor">
+              <a:schemeClr val="lt1"/>
+            </a:fontRef>
+          </p:style>
+          <p:txBody>
+            <a:bodyPr rtlCol="0" anchor="ctr"/>
+            <a:lstStyle/>
+            <a:p>
+              <a:pPr algn="ctr"/>
+              <a:r>
+                <a:rPr lang="en-US" dirty="0"/>
+                <a:t>7</a:t>
+              </a:r>
+            </a:p>
+          </p:txBody>
+        </p:sp>
+      </p:grpSp>
+    </p:spTree>
+    <p:extLst>
+      <p:ext uri="{BB962C8B-B14F-4D97-AF65-F5344CB8AC3E}">
+        <p14:creationId xmlns:p14="http://schemas.microsoft.com/office/powerpoint/2010/main" val="1529739311"/>
+      </p:ext>
+    </p:extLst>
+  </p:cSld>
+  <p:clrMapOvr>
+    <a:masterClrMapping/>
+  </p:clrMapOvr>
+</p:sld>
+</file>
+
+<file path=ppt/slides/slide4.xml><?xml version="1.0" encoding="utf-8"?>
+<p:sld xmlns:a="http://schemas.openxmlformats.org/drawingml/2006/main" xmlns:r="http://schemas.openxmlformats.org/officeDocument/2006/relationships" xmlns:p="http://schemas.openxmlformats.org/presentationml/2006/main">
+  <p:cSld>
+    <p:spTree>
+      <p:nvGrpSpPr>
+        <p:cNvPr id="1" name=""/>
+        <p:cNvGrpSpPr/>
+        <p:nvPr/>
+      </p:nvGrpSpPr>
+      <p:grpSpPr>
+        <a:xfrm>
+          <a:off x="0" y="0"/>
+          <a:ext cx="0" cy="0"/>
+          <a:chOff x="0" y="0"/>
+          <a:chExt cx="0" cy="0"/>
+        </a:xfrm>
+      </p:grpSpPr>
+      <p:sp>
+        <p:nvSpPr>
+          <p:cNvPr id="2" name="TextBox 1">
+            <a:extLst>
+              <a:ext uri="{FF2B5EF4-FFF2-40B4-BE49-F238E27FC236}">
+                <a16:creationId xmlns:a16="http://schemas.microsoft.com/office/drawing/2014/main" id="{4B04C884-C3E9-09BA-CE03-D365334A7DA3}"/>
+              </a:ext>
+            </a:extLst>
+          </p:cNvPr>
+          <p:cNvSpPr txBox="1"/>
+          <p:nvPr/>
+        </p:nvSpPr>
+        <p:spPr>
+          <a:xfrm>
+            <a:off x="278052" y="261666"/>
+            <a:ext cx="3318588" cy="461665"/>
+          </a:xfrm>
+          <a:prstGeom prst="rect">
+            <a:avLst/>
+          </a:prstGeom>
+          <a:noFill/>
+        </p:spPr>
+        <p:txBody>
+          <a:bodyPr wrap="square">
+            <a:spAutoFit/>
+          </a:bodyPr>
+          <a:lstStyle/>
+          <a:p>
+            <a:r>
+              <a:rPr lang="en-US" sz="2400" dirty="0"/>
+              <a:t>Interactive Controls</a:t>
+            </a:r>
+            <a:endParaRPr lang="en-SG" sz="2400" i="1" dirty="0"/>
+          </a:p>
+        </p:txBody>
+      </p:sp>
+      <p:pic>
+        <p:nvPicPr>
+          <p:cNvPr id="4" name="Picture 3">
+            <a:extLst>
+              <a:ext uri="{FF2B5EF4-FFF2-40B4-BE49-F238E27FC236}">
+                <a16:creationId xmlns:a16="http://schemas.microsoft.com/office/drawing/2014/main" id="{27C51ABD-8AFD-F081-1FD6-0C703A7FC3AD}"/>
+              </a:ext>
+            </a:extLst>
+          </p:cNvPr>
+          <p:cNvPicPr>
+            <a:picLocks noChangeAspect="1"/>
+          </p:cNvPicPr>
+          <p:nvPr/>
+        </p:nvPicPr>
+        <p:blipFill>
+          <a:blip r:embed="rId2"/>
+          <a:stretch>
+            <a:fillRect/>
+          </a:stretch>
+        </p:blipFill>
+        <p:spPr>
+          <a:xfrm>
+            <a:off x="717797" y="997527"/>
+            <a:ext cx="5378203" cy="2270550"/>
+          </a:xfrm>
+          <a:prstGeom prst="rect">
+            <a:avLst/>
+          </a:prstGeom>
+        </p:spPr>
+      </p:pic>
+      <p:sp>
+        <p:nvSpPr>
+          <p:cNvPr id="5" name="Rectangle 4">
+            <a:extLst>
+              <a:ext uri="{FF2B5EF4-FFF2-40B4-BE49-F238E27FC236}">
+                <a16:creationId xmlns:a16="http://schemas.microsoft.com/office/drawing/2014/main" id="{380DECE5-E9CC-2033-BB40-3233C5DE3DDC}"/>
+              </a:ext>
+            </a:extLst>
+          </p:cNvPr>
+          <p:cNvSpPr/>
+          <p:nvPr/>
+        </p:nvSpPr>
+        <p:spPr>
+          <a:xfrm>
+            <a:off x="1182780" y="3454253"/>
+            <a:ext cx="4448234" cy="332509"/>
+          </a:xfrm>
+          <a:prstGeom prst="rect">
+            <a:avLst/>
+          </a:prstGeom>
+        </p:spPr>
+        <p:style>
+          <a:lnRef idx="2">
+            <a:schemeClr val="accent1">
+              <a:shade val="50000"/>
+            </a:schemeClr>
+          </a:lnRef>
+          <a:fillRef idx="1">
+            <a:schemeClr val="accent1"/>
+          </a:fillRef>
+          <a:effectRef idx="0">
+            <a:schemeClr val="accent1"/>
+          </a:effectRef>
+          <a:fontRef idx="minor">
+            <a:schemeClr val="lt1"/>
+          </a:fontRef>
+        </p:style>
+        <p:txBody>
+          <a:bodyPr rtlCol="0" anchor="ctr"/>
+          <a:lstStyle/>
+          <a:p>
+            <a:pPr algn="ctr"/>
+            <a:r>
+              <a:rPr lang="en-US" sz="1100" dirty="0"/>
+              <a:t>Selectable item list pops-out after a red button is clicked</a:t>
+            </a:r>
+          </a:p>
+        </p:txBody>
+      </p:sp>
+      <p:pic>
+        <p:nvPicPr>
+          <p:cNvPr id="9" name="Picture 8">
+            <a:extLst>
+              <a:ext uri="{FF2B5EF4-FFF2-40B4-BE49-F238E27FC236}">
+                <a16:creationId xmlns:a16="http://schemas.microsoft.com/office/drawing/2014/main" id="{35A8A7D7-5C55-F9D3-455E-2812AD1BC2A5}"/>
+              </a:ext>
+            </a:extLst>
+          </p:cNvPr>
+          <p:cNvPicPr>
+            <a:picLocks noChangeAspect="1"/>
+          </p:cNvPicPr>
+          <p:nvPr/>
+        </p:nvPicPr>
+        <p:blipFill>
+          <a:blip r:embed="rId3"/>
+          <a:stretch>
+            <a:fillRect/>
+          </a:stretch>
+        </p:blipFill>
+        <p:spPr>
+          <a:xfrm>
+            <a:off x="858509" y="4305448"/>
+            <a:ext cx="2157673" cy="1091352"/>
+          </a:xfrm>
+          <a:prstGeom prst="rect">
+            <a:avLst/>
+          </a:prstGeom>
+        </p:spPr>
+      </p:pic>
+      <p:sp>
+        <p:nvSpPr>
+          <p:cNvPr id="10" name="Rectangle 9">
+            <a:extLst>
+              <a:ext uri="{FF2B5EF4-FFF2-40B4-BE49-F238E27FC236}">
+                <a16:creationId xmlns:a16="http://schemas.microsoft.com/office/drawing/2014/main" id="{BCB1773B-B30B-7F62-9037-233547A34A0F}"/>
+              </a:ext>
+            </a:extLst>
+          </p:cNvPr>
+          <p:cNvSpPr/>
+          <p:nvPr/>
+        </p:nvSpPr>
+        <p:spPr>
+          <a:xfrm>
+            <a:off x="1083556" y="5527964"/>
+            <a:ext cx="4646683" cy="332509"/>
+          </a:xfrm>
+          <a:prstGeom prst="rect">
+            <a:avLst/>
+          </a:prstGeom>
+        </p:spPr>
+        <p:style>
+          <a:lnRef idx="2">
+            <a:schemeClr val="accent1">
+              <a:shade val="50000"/>
+            </a:schemeClr>
+          </a:lnRef>
+          <a:fillRef idx="1">
+            <a:schemeClr val="accent1"/>
+          </a:fillRef>
+          <a:effectRef idx="0">
+            <a:schemeClr val="accent1"/>
+          </a:effectRef>
+          <a:fontRef idx="minor">
+            <a:schemeClr val="lt1"/>
+          </a:fontRef>
+        </p:style>
+        <p:txBody>
+          <a:bodyPr rtlCol="0" anchor="ctr"/>
+          <a:lstStyle/>
+          <a:p>
+            <a:pPr algn="ctr"/>
+            <a:r>
+              <a:rPr lang="en-US" sz="1100" dirty="0" err="1"/>
+              <a:t>UserName</a:t>
+            </a:r>
+            <a:r>
+              <a:rPr lang="en-US" sz="1100" dirty="0"/>
+              <a:t> and WID </a:t>
+            </a:r>
+            <a:r>
+              <a:rPr lang="en-US" sz="1100" dirty="0" err="1"/>
+              <a:t>verication</a:t>
+            </a:r>
+            <a:r>
+              <a:rPr lang="en-US" sz="1100" dirty="0"/>
+              <a:t> before system update is allowed</a:t>
+            </a:r>
+          </a:p>
+        </p:txBody>
+      </p:sp>
+      <p:pic>
+        <p:nvPicPr>
+          <p:cNvPr id="12" name="Picture 11">
+            <a:extLst>
+              <a:ext uri="{FF2B5EF4-FFF2-40B4-BE49-F238E27FC236}">
+                <a16:creationId xmlns:a16="http://schemas.microsoft.com/office/drawing/2014/main" id="{289F2F3B-9D52-ABAC-9D30-5A12C78FAB59}"/>
+              </a:ext>
+            </a:extLst>
+          </p:cNvPr>
+          <p:cNvPicPr>
+            <a:picLocks noChangeAspect="1"/>
+          </p:cNvPicPr>
+          <p:nvPr/>
+        </p:nvPicPr>
+        <p:blipFill>
+          <a:blip r:embed="rId4"/>
+          <a:stretch>
+            <a:fillRect/>
+          </a:stretch>
+        </p:blipFill>
+        <p:spPr>
+          <a:xfrm>
+            <a:off x="3197893" y="4380246"/>
+            <a:ext cx="2596370" cy="941756"/>
+          </a:xfrm>
+          <a:prstGeom prst="rect">
+            <a:avLst/>
+          </a:prstGeom>
+        </p:spPr>
+      </p:pic>
+      <p:pic>
+        <p:nvPicPr>
+          <p:cNvPr id="14" name="Picture 13">
+            <a:extLst>
+              <a:ext uri="{FF2B5EF4-FFF2-40B4-BE49-F238E27FC236}">
+                <a16:creationId xmlns:a16="http://schemas.microsoft.com/office/drawing/2014/main" id="{31A815D3-1890-5E35-9E3C-8873635714C7}"/>
+              </a:ext>
+            </a:extLst>
+          </p:cNvPr>
+          <p:cNvPicPr>
+            <a:picLocks noChangeAspect="1"/>
+          </p:cNvPicPr>
+          <p:nvPr/>
+        </p:nvPicPr>
+        <p:blipFill>
+          <a:blip r:embed="rId5"/>
+          <a:stretch>
+            <a:fillRect/>
+          </a:stretch>
+        </p:blipFill>
+        <p:spPr>
+          <a:xfrm>
+            <a:off x="6798958" y="1571221"/>
+            <a:ext cx="2376016" cy="984994"/>
+          </a:xfrm>
+          <a:prstGeom prst="rect">
+            <a:avLst/>
+          </a:prstGeom>
+        </p:spPr>
+      </p:pic>
+      <p:sp>
+        <p:nvSpPr>
+          <p:cNvPr id="15" name="Rectangle 14">
+            <a:extLst>
+              <a:ext uri="{FF2B5EF4-FFF2-40B4-BE49-F238E27FC236}">
+                <a16:creationId xmlns:a16="http://schemas.microsoft.com/office/drawing/2014/main" id="{C0C18A54-9F3B-5873-4573-500862EB0718}"/>
+              </a:ext>
+            </a:extLst>
+          </p:cNvPr>
+          <p:cNvSpPr/>
+          <p:nvPr/>
+        </p:nvSpPr>
+        <p:spPr>
+          <a:xfrm>
+            <a:off x="6332443" y="1101695"/>
+            <a:ext cx="3309046" cy="332509"/>
+          </a:xfrm>
+          <a:prstGeom prst="rect">
+            <a:avLst/>
+          </a:prstGeom>
+        </p:spPr>
+        <p:style>
+          <a:lnRef idx="2">
+            <a:schemeClr val="accent1">
+              <a:shade val="50000"/>
+            </a:schemeClr>
+          </a:lnRef>
+          <a:fillRef idx="1">
+            <a:schemeClr val="accent1"/>
+          </a:fillRef>
+          <a:effectRef idx="0">
+            <a:schemeClr val="accent1"/>
+          </a:effectRef>
+          <a:fontRef idx="minor">
+            <a:schemeClr val="lt1"/>
+          </a:fontRef>
+        </p:style>
+        <p:txBody>
+          <a:bodyPr rtlCol="0" anchor="ctr"/>
+          <a:lstStyle/>
+          <a:p>
+            <a:pPr algn="ctr"/>
+            <a:r>
+              <a:rPr lang="en-US" sz="1100" dirty="0"/>
+              <a:t>After task completion condition verification</a:t>
+            </a:r>
+          </a:p>
+        </p:txBody>
+      </p:sp>
+      <p:pic>
+        <p:nvPicPr>
+          <p:cNvPr id="17" name="Picture 16">
+            <a:extLst>
+              <a:ext uri="{FF2B5EF4-FFF2-40B4-BE49-F238E27FC236}">
+                <a16:creationId xmlns:a16="http://schemas.microsoft.com/office/drawing/2014/main" id="{36A53373-E2FB-649F-48E6-6251828E4D79}"/>
+              </a:ext>
+            </a:extLst>
+          </p:cNvPr>
+          <p:cNvPicPr>
+            <a:picLocks noChangeAspect="1"/>
+          </p:cNvPicPr>
+          <p:nvPr/>
+        </p:nvPicPr>
+        <p:blipFill>
+          <a:blip r:embed="rId6"/>
+          <a:stretch>
+            <a:fillRect/>
+          </a:stretch>
+        </p:blipFill>
+        <p:spPr>
+          <a:xfrm>
+            <a:off x="6387613" y="3320553"/>
+            <a:ext cx="2519402" cy="1059693"/>
+          </a:xfrm>
+          <a:prstGeom prst="rect">
+            <a:avLst/>
+          </a:prstGeom>
+        </p:spPr>
+      </p:pic>
+      <p:sp>
+        <p:nvSpPr>
+          <p:cNvPr id="18" name="Rectangle 17">
+            <a:extLst>
+              <a:ext uri="{FF2B5EF4-FFF2-40B4-BE49-F238E27FC236}">
+                <a16:creationId xmlns:a16="http://schemas.microsoft.com/office/drawing/2014/main" id="{CC352FA5-4379-8A3F-F622-A76BC10C78E3}"/>
+              </a:ext>
+            </a:extLst>
+          </p:cNvPr>
+          <p:cNvSpPr/>
+          <p:nvPr/>
+        </p:nvSpPr>
+        <p:spPr>
+          <a:xfrm>
+            <a:off x="7398360" y="2844465"/>
+            <a:ext cx="3017309" cy="332509"/>
+          </a:xfrm>
+          <a:prstGeom prst="rect">
+            <a:avLst/>
+          </a:prstGeom>
+        </p:spPr>
+        <p:style>
+          <a:lnRef idx="2">
+            <a:schemeClr val="accent1">
+              <a:shade val="50000"/>
+            </a:schemeClr>
+          </a:lnRef>
+          <a:fillRef idx="1">
+            <a:schemeClr val="accent1"/>
+          </a:fillRef>
+          <a:effectRef idx="0">
+            <a:schemeClr val="accent1"/>
+          </a:effectRef>
+          <a:fontRef idx="minor">
+            <a:schemeClr val="lt1"/>
+          </a:fontRef>
+        </p:style>
+        <p:txBody>
+          <a:bodyPr rtlCol="0" anchor="ctr"/>
+          <a:lstStyle/>
+          <a:p>
+            <a:pPr algn="ctr"/>
+            <a:r>
+              <a:rPr lang="en-US" sz="1100" dirty="0"/>
+              <a:t>Findings and Recommendations if any</a:t>
+            </a:r>
+          </a:p>
+        </p:txBody>
+      </p:sp>
+      <p:pic>
+        <p:nvPicPr>
+          <p:cNvPr id="20" name="Picture 19">
+            <a:extLst>
+              <a:ext uri="{FF2B5EF4-FFF2-40B4-BE49-F238E27FC236}">
+                <a16:creationId xmlns:a16="http://schemas.microsoft.com/office/drawing/2014/main" id="{8155C7AC-3458-223A-492D-3292CDBF4ABF}"/>
+              </a:ext>
+            </a:extLst>
+          </p:cNvPr>
+          <p:cNvPicPr>
+            <a:picLocks noChangeAspect="1"/>
+          </p:cNvPicPr>
+          <p:nvPr/>
+        </p:nvPicPr>
+        <p:blipFill>
+          <a:blip r:embed="rId7"/>
+          <a:stretch>
+            <a:fillRect/>
+          </a:stretch>
+        </p:blipFill>
+        <p:spPr>
+          <a:xfrm>
+            <a:off x="7261542" y="5104494"/>
+            <a:ext cx="2881165" cy="1234785"/>
+          </a:xfrm>
+          <a:prstGeom prst="rect">
+            <a:avLst/>
+          </a:prstGeom>
+        </p:spPr>
+      </p:pic>
+      <p:sp>
+        <p:nvSpPr>
+          <p:cNvPr id="21" name="Rectangle 20">
+            <a:extLst>
+              <a:ext uri="{FF2B5EF4-FFF2-40B4-BE49-F238E27FC236}">
+                <a16:creationId xmlns:a16="http://schemas.microsoft.com/office/drawing/2014/main" id="{9AD474BC-D19B-8651-AA96-A7404E0E2DE4}"/>
+              </a:ext>
+            </a:extLst>
+          </p:cNvPr>
+          <p:cNvSpPr/>
+          <p:nvPr/>
+        </p:nvSpPr>
+        <p:spPr>
+          <a:xfrm>
+            <a:off x="7125398" y="4643359"/>
+            <a:ext cx="3017309" cy="332509"/>
+          </a:xfrm>
+          <a:prstGeom prst="rect">
+            <a:avLst/>
+          </a:prstGeom>
+        </p:spPr>
+        <p:style>
+          <a:lnRef idx="2">
+            <a:schemeClr val="accent1">
+              <a:shade val="50000"/>
+            </a:schemeClr>
+          </a:lnRef>
+          <a:fillRef idx="1">
+            <a:schemeClr val="accent1"/>
+          </a:fillRef>
+          <a:effectRef idx="0">
+            <a:schemeClr val="accent1"/>
+          </a:effectRef>
+          <a:fontRef idx="minor">
+            <a:schemeClr val="lt1"/>
+          </a:fontRef>
+        </p:style>
+        <p:txBody>
+          <a:bodyPr rtlCol="0" anchor="ctr"/>
+          <a:lstStyle/>
+          <a:p>
+            <a:pPr algn="ctr"/>
+            <a:r>
+              <a:rPr lang="en-US" sz="1100" dirty="0"/>
+              <a:t>Actual Time taken on task completion</a:t>
+            </a:r>
+          </a:p>
+        </p:txBody>
+      </p:sp>
+      <p:pic>
+        <p:nvPicPr>
+          <p:cNvPr id="23" name="Picture 22">
+            <a:extLst>
+              <a:ext uri="{FF2B5EF4-FFF2-40B4-BE49-F238E27FC236}">
+                <a16:creationId xmlns:a16="http://schemas.microsoft.com/office/drawing/2014/main" id="{0E222152-B824-8317-DCA9-6926F36FAFDD}"/>
+              </a:ext>
+            </a:extLst>
+          </p:cNvPr>
+          <p:cNvPicPr>
+            <a:picLocks noChangeAspect="1"/>
+          </p:cNvPicPr>
+          <p:nvPr/>
+        </p:nvPicPr>
+        <p:blipFill>
+          <a:blip r:embed="rId8"/>
+          <a:stretch>
+            <a:fillRect/>
+          </a:stretch>
+        </p:blipFill>
+        <p:spPr>
+          <a:xfrm>
+            <a:off x="9159411" y="3320553"/>
+            <a:ext cx="2663054" cy="907123"/>
+          </a:xfrm>
+          <a:prstGeom prst="rect">
+            <a:avLst/>
+          </a:prstGeom>
+        </p:spPr>
+      </p:pic>
+    </p:spTree>
+    <p:extLst>
+      <p:ext uri="{BB962C8B-B14F-4D97-AF65-F5344CB8AC3E}">
+        <p14:creationId xmlns:p14="http://schemas.microsoft.com/office/powerpoint/2010/main" val="2756104125"/>
+      </p:ext>
+    </p:extLst>
+  </p:cSld>
+  <p:clrMapOvr>
+    <a:masterClrMapping/>
+  </p:clrMapOvr>
+</p:sld>
+</file>
+
+<file path=ppt/slides/slide5.xml><?xml version="1.0" encoding="utf-8"?>
 <p:sld xmlns:a="http://schemas.openxmlformats.org/drawingml/2006/main" xmlns:r="http://schemas.openxmlformats.org/officeDocument/2006/relationships" xmlns:p="http://schemas.openxmlformats.org/presentationml/2006/main">
   <p:cSld>
     <p:bg>
@@ -6834,7 +7850,18 @@
                 <a:ea typeface="+mj-ea"/>
                 <a:cs typeface="+mj-cs"/>
               </a:rPr>
-              <a:t>Database</a:t>
+              <a:t>Database </a:t>
+            </a:r>
+            <a:r>
+              <a:rPr lang="en-US" sz="1600" dirty="0">
+                <a:solidFill>
+                  <a:schemeClr val="tx2"/>
+                </a:solidFill>
+                <a:latin typeface="+mj-lt"/>
+                <a:ea typeface="+mj-ea"/>
+                <a:cs typeface="+mj-cs"/>
+              </a:rPr>
+              <a:t>(in excel sheet, which everyone is familiar with and for easy data migration)</a:t>
             </a:r>
           </a:p>
         </p:txBody>
@@ -7021,7 +8048,7 @@
         <p:spPr>
           <a:xfrm>
             <a:off x="6772608" y="4495800"/>
-            <a:ext cx="5302775" cy="1431161"/>
+            <a:ext cx="5302775" cy="1708160"/>
           </a:xfrm>
           <a:prstGeom prst="rect">
             <a:avLst/>
@@ -7106,7 +8133,7 @@
             </a:pPr>
             <a:r>
               <a:rPr lang="en-SG" i="1" dirty="0"/>
-              <a:t>Manual Sending of updates (email)</a:t>
+              <a:t>Button click for manual sending of updates (email)</a:t>
             </a:r>
             <a:endParaRPr lang="en-SG" sz="2400" i="1" dirty="0"/>
           </a:p>
@@ -7236,7 +8263,7 @@
 </p:sld>
 </file>
 
-<file path=ppt/slides/slide4.xml><?xml version="1.0" encoding="utf-8"?>
+<file path=ppt/slides/slide6.xml><?xml version="1.0" encoding="utf-8"?>
 <p:sld xmlns:a="http://schemas.openxmlformats.org/drawingml/2006/main" xmlns:r="http://schemas.openxmlformats.org/officeDocument/2006/relationships" xmlns:p="http://schemas.openxmlformats.org/presentationml/2006/main">
   <p:cSld>
     <p:spTree>
@@ -7267,12 +8294,19 @@
         </p:nvSpPr>
         <p:spPr>
           <a:xfrm>
-            <a:off x="7222097" y="5890223"/>
-            <a:ext cx="2160028" cy="684209"/>
+            <a:off x="9573051" y="5683469"/>
+            <a:ext cx="1902607" cy="684209"/>
           </a:xfrm>
           <a:prstGeom prst="flowChartInputOutput">
             <a:avLst/>
           </a:prstGeom>
+          <a:scene3d>
+            <a:camera prst="orthographicFront"/>
+            <a:lightRig rig="threePt" dir="t"/>
+          </a:scene3d>
+          <a:sp3d>
+            <a:bevelT/>
+          </a:sp3d>
         </p:spPr>
         <p:style>
           <a:lnRef idx="2">
@@ -7316,7 +8350,7 @@
         </p:nvSpPr>
         <p:spPr>
           <a:xfrm>
-            <a:off x="633273" y="201513"/>
+            <a:off x="360166" y="81532"/>
             <a:ext cx="2465773" cy="461665"/>
           </a:xfrm>
           <a:prstGeom prst="rect">
@@ -7352,12 +8386,19 @@
         </p:nvSpPr>
         <p:spPr>
           <a:xfrm>
-            <a:off x="914400" y="852786"/>
+            <a:off x="914400" y="608934"/>
             <a:ext cx="1343025" cy="394990"/>
           </a:xfrm>
           <a:prstGeom prst="flowChartTerminator">
             <a:avLst/>
           </a:prstGeom>
+          <a:scene3d>
+            <a:camera prst="orthographicFront"/>
+            <a:lightRig rig="threePt" dir="t"/>
+          </a:scene3d>
+          <a:sp3d>
+            <a:bevelT/>
+          </a:sp3d>
         </p:spPr>
         <p:style>
           <a:lnRef idx="2">
@@ -7401,12 +8442,19 @@
         </p:nvSpPr>
         <p:spPr>
           <a:xfrm>
-            <a:off x="719136" y="1654971"/>
+            <a:off x="719136" y="1411119"/>
             <a:ext cx="1733550" cy="606027"/>
           </a:xfrm>
           <a:prstGeom prst="flowChartProcess">
             <a:avLst/>
           </a:prstGeom>
+          <a:scene3d>
+            <a:camera prst="orthographicFront"/>
+            <a:lightRig rig="threePt" dir="t"/>
+          </a:scene3d>
+          <a:sp3d>
+            <a:bevelT/>
+          </a:sp3d>
         </p:spPr>
         <p:style>
           <a:lnRef idx="2">
@@ -7450,12 +8498,19 @@
         </p:nvSpPr>
         <p:spPr>
           <a:xfrm>
-            <a:off x="847724" y="2603897"/>
+            <a:off x="847724" y="2360045"/>
             <a:ext cx="1476375" cy="800100"/>
           </a:xfrm>
           <a:prstGeom prst="flowChartDecision">
             <a:avLst/>
           </a:prstGeom>
+          <a:scene3d>
+            <a:camera prst="orthographicFront"/>
+            <a:lightRig rig="threePt" dir="t"/>
+          </a:scene3d>
+          <a:sp3d>
+            <a:bevelT/>
+          </a:sp3d>
         </p:spPr>
         <p:style>
           <a:lnRef idx="2">
@@ -7499,12 +8554,19 @@
         </p:nvSpPr>
         <p:spPr>
           <a:xfrm>
-            <a:off x="353024" y="3794524"/>
+            <a:off x="353024" y="3550672"/>
             <a:ext cx="2465773" cy="800099"/>
           </a:xfrm>
           <a:prstGeom prst="flowChartInputOutput">
             <a:avLst/>
           </a:prstGeom>
+          <a:scene3d>
+            <a:camera prst="orthographicFront"/>
+            <a:lightRig rig="threePt" dir="t"/>
+          </a:scene3d>
+          <a:sp3d>
+            <a:bevelT/>
+          </a:sp3d>
         </p:spPr>
         <p:style>
           <a:lnRef idx="2">
@@ -7548,12 +8610,19 @@
         </p:nvSpPr>
         <p:spPr>
           <a:xfrm>
-            <a:off x="2629499" y="2697361"/>
+            <a:off x="2629499" y="2453509"/>
             <a:ext cx="2094901" cy="613171"/>
           </a:xfrm>
           <a:prstGeom prst="flowChartInputOutput">
             <a:avLst/>
           </a:prstGeom>
+          <a:scene3d>
+            <a:camera prst="orthographicFront"/>
+            <a:lightRig rig="threePt" dir="t"/>
+          </a:scene3d>
+          <a:sp3d>
+            <a:bevelT/>
+          </a:sp3d>
         </p:spPr>
         <p:style>
           <a:lnRef idx="2">
@@ -7599,7 +8668,7 @@
         </p:nvCxnSpPr>
         <p:spPr>
           <a:xfrm flipH="1">
-            <a:off x="1593053" y="1247776"/>
+            <a:off x="1593053" y="1003924"/>
             <a:ext cx="2" cy="407195"/>
           </a:xfrm>
           <a:prstGeom prst="straightConnector1">
@@ -7608,6 +8677,13 @@
           <a:ln w="50800">
             <a:tailEnd type="stealth"/>
           </a:ln>
+          <a:scene3d>
+            <a:camera prst="orthographicFront"/>
+            <a:lightRig rig="threePt" dir="t"/>
+          </a:scene3d>
+          <a:sp3d>
+            <a:bevelT/>
+          </a:sp3d>
         </p:spPr>
         <p:style>
           <a:lnRef idx="1">
@@ -7638,7 +8714,7 @@
         </p:nvCxnSpPr>
         <p:spPr>
           <a:xfrm flipH="1">
-            <a:off x="1600195" y="2239569"/>
+            <a:off x="1600195" y="1995717"/>
             <a:ext cx="2" cy="407195"/>
           </a:xfrm>
           <a:prstGeom prst="straightConnector1">
@@ -7647,6 +8723,13 @@
           <a:ln w="50800">
             <a:tailEnd type="stealth"/>
           </a:ln>
+          <a:scene3d>
+            <a:camera prst="orthographicFront"/>
+            <a:lightRig rig="threePt" dir="t"/>
+          </a:scene3d>
+          <a:sp3d>
+            <a:bevelT/>
+          </a:sp3d>
         </p:spPr>
         <p:style>
           <a:lnRef idx="1">
@@ -7677,7 +8760,7 @@
         </p:nvCxnSpPr>
         <p:spPr>
           <a:xfrm flipH="1">
-            <a:off x="1600195" y="3429000"/>
+            <a:off x="1600195" y="3185148"/>
             <a:ext cx="2" cy="407195"/>
           </a:xfrm>
           <a:prstGeom prst="straightConnector1">
@@ -7686,6 +8769,13 @@
           <a:ln w="50800">
             <a:tailEnd type="stealth"/>
           </a:ln>
+          <a:scene3d>
+            <a:camera prst="orthographicFront"/>
+            <a:lightRig rig="threePt" dir="t"/>
+          </a:scene3d>
+          <a:sp3d>
+            <a:bevelT/>
+          </a:sp3d>
         </p:spPr>
         <p:style>
           <a:lnRef idx="1">
@@ -7718,7 +8808,7 @@
         </p:nvCxnSpPr>
         <p:spPr>
           <a:xfrm>
-            <a:off x="2324099" y="3008410"/>
+            <a:off x="2324099" y="2764558"/>
             <a:ext cx="514888" cy="15479"/>
           </a:xfrm>
           <a:prstGeom prst="straightConnector1">
@@ -7727,6 +8817,13 @@
           <a:ln w="60325">
             <a:tailEnd type="stealth"/>
           </a:ln>
+          <a:scene3d>
+            <a:camera prst="orthographicFront"/>
+            <a:lightRig rig="threePt" dir="t"/>
+          </a:scene3d>
+          <a:sp3d>
+            <a:bevelT/>
+          </a:sp3d>
         </p:spPr>
         <p:style>
           <a:lnRef idx="1">
@@ -7757,13 +8854,20 @@
         </p:nvSpPr>
         <p:spPr>
           <a:xfrm>
-            <a:off x="1585910" y="3487076"/>
+            <a:off x="1704671" y="3215849"/>
             <a:ext cx="504825" cy="276999"/>
           </a:xfrm>
           <a:prstGeom prst="rect">
             <a:avLst/>
           </a:prstGeom>
           <a:noFill/>
+          <a:scene3d>
+            <a:camera prst="orthographicFront"/>
+            <a:lightRig rig="threePt" dir="t"/>
+          </a:scene3d>
+          <a:sp3d>
+            <a:bevelT/>
+          </a:sp3d>
         </p:spPr>
         <p:txBody>
           <a:bodyPr wrap="square" rtlCol="0">
@@ -7792,7 +8896,7 @@
         </p:nvSpPr>
         <p:spPr>
           <a:xfrm>
-            <a:off x="2303909" y="2631157"/>
+            <a:off x="2303909" y="2387305"/>
             <a:ext cx="514888" cy="276999"/>
           </a:xfrm>
           <a:prstGeom prst="rect">
@@ -7824,23 +8928,27 @@
           </p:cNvPr>
           <p:cNvCxnSpPr>
             <a:cxnSpLocks/>
-            <a:stCxn id="67" idx="3"/>
           </p:cNvCxnSpPr>
           <p:nvPr/>
         </p:nvCxnSpPr>
         <p:spPr>
-          <a:xfrm flipH="1">
-            <a:off x="5907913" y="4636657"/>
-            <a:ext cx="1061772" cy="833747"/>
-          </a:xfrm>
-          <a:prstGeom prst="bentConnector3">
-            <a:avLst>
-              <a:gd name="adj1" fmla="val -38575"/>
-            </a:avLst>
+          <a:xfrm rot="10800000" flipV="1">
+            <a:off x="4643436" y="4405453"/>
+            <a:ext cx="278676" cy="1595670"/>
+          </a:xfrm>
+          <a:prstGeom prst="bentConnector2">
+            <a:avLst/>
           </a:prstGeom>
           <a:ln w="50800">
             <a:tailEnd type="stealth"/>
           </a:ln>
+          <a:scene3d>
+            <a:camera prst="orthographicFront"/>
+            <a:lightRig rig="threePt" dir="t"/>
+          </a:scene3d>
+          <a:sp3d>
+            <a:bevelT/>
+          </a:sp3d>
         </p:spPr>
         <p:style>
           <a:lnRef idx="1">
@@ -7871,12 +8979,19 @@
         </p:nvSpPr>
         <p:spPr>
           <a:xfrm>
-            <a:off x="723895" y="4900015"/>
+            <a:off x="723895" y="4656163"/>
             <a:ext cx="1733550" cy="606027"/>
           </a:xfrm>
           <a:prstGeom prst="flowChartProcess">
             <a:avLst/>
           </a:prstGeom>
+          <a:scene3d>
+            <a:camera prst="orthographicFront"/>
+            <a:lightRig rig="threePt" dir="t"/>
+          </a:scene3d>
+          <a:sp3d>
+            <a:bevelT/>
+          </a:sp3d>
         </p:spPr>
         <p:style>
           <a:lnRef idx="2">
@@ -7924,7 +9039,7 @@
         </p:nvCxnSpPr>
         <p:spPr>
           <a:xfrm>
-            <a:off x="1585911" y="4594623"/>
+            <a:off x="1585911" y="4350771"/>
             <a:ext cx="4759" cy="305392"/>
           </a:xfrm>
           <a:prstGeom prst="straightConnector1">
@@ -7933,6 +9048,13 @@
           <a:ln w="50800">
             <a:tailEnd type="stealth"/>
           </a:ln>
+          <a:scene3d>
+            <a:camera prst="orthographicFront"/>
+            <a:lightRig rig="threePt" dir="t"/>
+          </a:scene3d>
+          <a:sp3d>
+            <a:bevelT/>
+          </a:sp3d>
         </p:spPr>
         <p:style>
           <a:lnRef idx="1">
@@ -7963,12 +9085,19 @@
         </p:nvSpPr>
         <p:spPr>
           <a:xfrm>
-            <a:off x="723895" y="5929316"/>
+            <a:off x="723895" y="5685464"/>
             <a:ext cx="1733550" cy="606027"/>
           </a:xfrm>
           <a:prstGeom prst="flowChartProcess">
             <a:avLst/>
           </a:prstGeom>
+          <a:scene3d>
+            <a:camera prst="orthographicFront"/>
+            <a:lightRig rig="threePt" dir="t"/>
+          </a:scene3d>
+          <a:sp3d>
+            <a:bevelT/>
+          </a:sp3d>
         </p:spPr>
         <p:style>
           <a:lnRef idx="2">
@@ -7993,7 +9122,7 @@
             <a:pPr algn="ctr"/>
             <a:r>
               <a:rPr lang="en-US" sz="1200" dirty="0"/>
-              <a:t>User will be required to enter his name</a:t>
+              <a:t>User will be required to enter his name and WIF</a:t>
             </a:r>
           </a:p>
         </p:txBody>
@@ -8016,7 +9145,7 @@
         </p:nvCxnSpPr>
         <p:spPr>
           <a:xfrm>
-            <a:off x="1590670" y="5506042"/>
+            <a:off x="1590670" y="5262190"/>
             <a:ext cx="0" cy="423274"/>
           </a:xfrm>
           <a:prstGeom prst="straightConnector1">
@@ -8025,6 +9154,13 @@
           <a:ln w="50800">
             <a:tailEnd type="stealth"/>
           </a:ln>
+          <a:scene3d>
+            <a:camera prst="orthographicFront"/>
+            <a:lightRig rig="threePt" dir="t"/>
+          </a:scene3d>
+          <a:sp3d>
+            <a:bevelT/>
+          </a:sp3d>
         </p:spPr>
         <p:style>
           <a:lnRef idx="1">
@@ -8041,55 +9177,6 @@
           </a:fontRef>
         </p:style>
       </p:cxnSp>
-      <p:sp>
-        <p:nvSpPr>
-          <p:cNvPr id="30" name="Flowchart: Decision 29">
-            <a:extLst>
-              <a:ext uri="{FF2B5EF4-FFF2-40B4-BE49-F238E27FC236}">
-                <a16:creationId xmlns:a16="http://schemas.microsoft.com/office/drawing/2014/main" id="{12F13383-773D-24E0-628A-71DBA4003A21}"/>
-              </a:ext>
-            </a:extLst>
-          </p:cNvPr>
-          <p:cNvSpPr/>
-          <p:nvPr/>
-        </p:nvSpPr>
-        <p:spPr>
-          <a:xfrm>
-            <a:off x="2895159" y="5746257"/>
-            <a:ext cx="1563580" cy="972143"/>
-          </a:xfrm>
-          <a:prstGeom prst="flowChartDecision">
-            <a:avLst/>
-          </a:prstGeom>
-        </p:spPr>
-        <p:style>
-          <a:lnRef idx="2">
-            <a:schemeClr val="accent1">
-              <a:shade val="50000"/>
-            </a:schemeClr>
-          </a:lnRef>
-          <a:fillRef idx="1">
-            <a:schemeClr val="accent1"/>
-          </a:fillRef>
-          <a:effectRef idx="0">
-            <a:schemeClr val="accent1"/>
-          </a:effectRef>
-          <a:fontRef idx="minor">
-            <a:schemeClr val="lt1"/>
-          </a:fontRef>
-        </p:style>
-        <p:txBody>
-          <a:bodyPr rtlCol="0" anchor="ctr"/>
-          <a:lstStyle/>
-          <a:p>
-            <a:pPr algn="ctr"/>
-            <a:r>
-              <a:rPr lang="en-US" sz="1200" dirty="0"/>
-              <a:t>Name entered?</a:t>
-            </a:r>
-          </a:p>
-        </p:txBody>
-      </p:sp>
       <p:cxnSp>
         <p:nvCxnSpPr>
           <p:cNvPr id="31" name="Straight Arrow Connector 30">
@@ -8107,8 +9194,8 @@
         </p:nvCxnSpPr>
         <p:spPr>
           <a:xfrm>
-            <a:off x="2466970" y="6232328"/>
-            <a:ext cx="428189" cy="1"/>
+            <a:off x="2466970" y="5988476"/>
+            <a:ext cx="332306" cy="1"/>
           </a:xfrm>
           <a:prstGeom prst="straightConnector1">
             <a:avLst/>
@@ -8116,6 +9203,13 @@
           <a:ln w="50800">
             <a:tailEnd type="stealth"/>
           </a:ln>
+          <a:scene3d>
+            <a:camera prst="orthographicFront"/>
+            <a:lightRig rig="threePt" dir="t"/>
+          </a:scene3d>
+          <a:sp3d>
+            <a:bevelT/>
+          </a:sp3d>
         </p:spPr>
         <p:style>
           <a:lnRef idx="1">
@@ -8149,8 +9243,8 @@
         </p:nvCxnSpPr>
         <p:spPr>
           <a:xfrm rot="16200000" flipV="1">
-            <a:off x="2612568" y="4681875"/>
-            <a:ext cx="89743" cy="2039021"/>
+            <a:off x="2588599" y="4461995"/>
+            <a:ext cx="89742" cy="1991077"/>
           </a:xfrm>
           <a:prstGeom prst="bentConnector2">
             <a:avLst/>
@@ -8158,6 +9252,13 @@
           <a:ln w="50800">
             <a:tailEnd type="stealth"/>
           </a:ln>
+          <a:scene3d>
+            <a:camera prst="orthographicFront"/>
+            <a:lightRig rig="threePt" dir="t"/>
+          </a:scene3d>
+          <a:sp3d>
+            <a:bevelT/>
+          </a:sp3d>
         </p:spPr>
         <p:style>
           <a:lnRef idx="1">
@@ -8188,13 +9289,20 @@
         </p:nvSpPr>
         <p:spPr>
           <a:xfrm>
-            <a:off x="3066776" y="5304279"/>
+            <a:off x="3066776" y="5060427"/>
             <a:ext cx="514888" cy="276999"/>
           </a:xfrm>
           <a:prstGeom prst="rect">
             <a:avLst/>
           </a:prstGeom>
           <a:noFill/>
+          <a:scene3d>
+            <a:camera prst="orthographicFront"/>
+            <a:lightRig rig="threePt" dir="t"/>
+          </a:scene3d>
+          <a:sp3d>
+            <a:bevelT/>
+          </a:sp3d>
         </p:spPr>
         <p:txBody>
           <a:bodyPr wrap="square" rtlCol="0">
@@ -8223,7 +9331,7 @@
         </p:nvSpPr>
         <p:spPr>
           <a:xfrm>
-            <a:off x="4369892" y="5894385"/>
+            <a:off x="4189940" y="5599985"/>
             <a:ext cx="504825" cy="276999"/>
           </a:xfrm>
           <a:prstGeom prst="rect">
@@ -8260,7 +9368,7 @@
         </p:nvCxnSpPr>
         <p:spPr>
           <a:xfrm>
-            <a:off x="4446528" y="6216256"/>
+            <a:off x="4446528" y="5972404"/>
             <a:ext cx="428189" cy="1"/>
           </a:xfrm>
           <a:prstGeom prst="straightConnector1">
@@ -8269,6 +9377,13 @@
           <a:ln w="50800">
             <a:tailEnd type="stealth"/>
           </a:ln>
+          <a:scene3d>
+            <a:camera prst="orthographicFront"/>
+            <a:lightRig rig="threePt" dir="t"/>
+          </a:scene3d>
+          <a:sp3d>
+            <a:bevelT/>
+          </a:sp3d>
         </p:spPr>
         <p:style>
           <a:lnRef idx="1">
@@ -8285,55 +9400,6 @@
           </a:fontRef>
         </p:style>
       </p:cxnSp>
-      <p:sp>
-        <p:nvSpPr>
-          <p:cNvPr id="56" name="Flowchart: Decision 55">
-            <a:extLst>
-              <a:ext uri="{FF2B5EF4-FFF2-40B4-BE49-F238E27FC236}">
-                <a16:creationId xmlns:a16="http://schemas.microsoft.com/office/drawing/2014/main" id="{5BCB3AB6-C22A-40E1-B659-D8F427519665}"/>
-              </a:ext>
-            </a:extLst>
-          </p:cNvPr>
-          <p:cNvSpPr/>
-          <p:nvPr/>
-        </p:nvSpPr>
-        <p:spPr>
-          <a:xfrm>
-            <a:off x="4846142" y="5655731"/>
-            <a:ext cx="2123543" cy="1121049"/>
-          </a:xfrm>
-          <a:prstGeom prst="flowChartDecision">
-            <a:avLst/>
-          </a:prstGeom>
-        </p:spPr>
-        <p:style>
-          <a:lnRef idx="2">
-            <a:schemeClr val="accent1">
-              <a:shade val="50000"/>
-            </a:schemeClr>
-          </a:lnRef>
-          <a:fillRef idx="1">
-            <a:schemeClr val="accent1"/>
-          </a:fillRef>
-          <a:effectRef idx="0">
-            <a:schemeClr val="accent1"/>
-          </a:effectRef>
-          <a:fontRef idx="minor">
-            <a:schemeClr val="lt1"/>
-          </a:fontRef>
-        </p:style>
-        <p:txBody>
-          <a:bodyPr rtlCol="0" anchor="ctr"/>
-          <a:lstStyle/>
-          <a:p>
-            <a:pPr algn="ctr"/>
-            <a:r>
-              <a:rPr lang="en-US" sz="1200" dirty="0"/>
-              <a:t>Item condition ok until next due date?</a:t>
-            </a:r>
-          </a:p>
-        </p:txBody>
-      </p:sp>
       <p:sp>
         <p:nvSpPr>
           <p:cNvPr id="57" name="TextBox 56">
@@ -8348,7 +9414,7 @@
         </p:nvSpPr>
         <p:spPr>
           <a:xfrm>
-            <a:off x="6969685" y="5894385"/>
+            <a:off x="6741743" y="5599984"/>
             <a:ext cx="504825" cy="276999"/>
           </a:xfrm>
           <a:prstGeom prst="rect">
@@ -8380,13 +9446,14 @@
           </p:cNvPr>
           <p:cNvCxnSpPr>
             <a:cxnSpLocks/>
+            <a:endCxn id="21" idx="1"/>
           </p:cNvCxnSpPr>
           <p:nvPr/>
         </p:nvCxnSpPr>
         <p:spPr>
           <a:xfrm>
-            <a:off x="6917329" y="6200182"/>
-            <a:ext cx="609536" cy="0"/>
+            <a:off x="6917329" y="5956330"/>
+            <a:ext cx="634007" cy="0"/>
           </a:xfrm>
           <a:prstGeom prst="straightConnector1">
             <a:avLst/>
@@ -8394,6 +9461,13 @@
           <a:ln w="50800">
             <a:tailEnd type="stealth"/>
           </a:ln>
+          <a:scene3d>
+            <a:camera prst="orthographicFront"/>
+            <a:lightRig rig="threePt" dir="t"/>
+          </a:scene3d>
+          <a:sp3d>
+            <a:bevelT/>
+          </a:sp3d>
         </p:spPr>
         <p:style>
           <a:lnRef idx="1">
@@ -8424,12 +9498,19 @@
         </p:nvSpPr>
         <p:spPr>
           <a:xfrm>
-            <a:off x="9784290" y="6018760"/>
+            <a:off x="9851692" y="4838013"/>
             <a:ext cx="1343025" cy="394990"/>
           </a:xfrm>
           <a:prstGeom prst="flowChartTerminator">
             <a:avLst/>
           </a:prstGeom>
+          <a:scene3d>
+            <a:camera prst="orthographicFront"/>
+            <a:lightRig rig="threePt" dir="t"/>
+          </a:scene3d>
+          <a:sp3d>
+            <a:bevelT/>
+          </a:sp3d>
         </p:spPr>
         <p:style>
           <a:lnRef idx="2">
@@ -8470,13 +9551,15 @@
           </p:cNvPr>
           <p:cNvCxnSpPr>
             <a:cxnSpLocks/>
+            <a:stCxn id="62" idx="1"/>
+            <a:endCxn id="60" idx="2"/>
           </p:cNvCxnSpPr>
           <p:nvPr/>
         </p:nvCxnSpPr>
         <p:spPr>
-          <a:xfrm>
-            <a:off x="9174754" y="6232327"/>
-            <a:ext cx="609536" cy="0"/>
+          <a:xfrm flipH="1" flipV="1">
+            <a:off x="10523205" y="5233003"/>
+            <a:ext cx="1150" cy="450466"/>
           </a:xfrm>
           <a:prstGeom prst="straightConnector1">
             <a:avLst/>
@@ -8484,6 +9567,13 @@
           <a:ln w="50800">
             <a:tailEnd type="stealth"/>
           </a:ln>
+          <a:scene3d>
+            <a:camera prst="orthographicFront"/>
+            <a:lightRig rig="threePt" dir="t"/>
+          </a:scene3d>
+          <a:sp3d>
+            <a:bevelT/>
+          </a:sp3d>
         </p:spPr>
         <p:style>
           <a:lnRef idx="1">
@@ -8517,7 +9607,7 @@
         </p:nvCxnSpPr>
         <p:spPr>
           <a:xfrm flipV="1">
-            <a:off x="5907914" y="5203028"/>
+            <a:off x="5907914" y="4959176"/>
             <a:ext cx="0" cy="452703"/>
           </a:xfrm>
           <a:prstGeom prst="straightConnector1">
@@ -8526,6 +9616,13 @@
           <a:ln w="50800">
             <a:tailEnd type="stealth"/>
           </a:ln>
+          <a:scene3d>
+            <a:camera prst="orthographicFront"/>
+            <a:lightRig rig="threePt" dir="t"/>
+          </a:scene3d>
+          <a:sp3d>
+            <a:bevelT/>
+          </a:sp3d>
         </p:spPr>
         <p:style>
           <a:lnRef idx="1">
@@ -8556,12 +9653,19 @@
         </p:nvSpPr>
         <p:spPr>
           <a:xfrm>
-            <a:off x="4852949" y="4065006"/>
+            <a:off x="4852949" y="3821154"/>
             <a:ext cx="2116736" cy="1143301"/>
           </a:xfrm>
           <a:prstGeom prst="flowChartDecision">
             <a:avLst/>
           </a:prstGeom>
+          <a:scene3d>
+            <a:camera prst="orthographicFront"/>
+            <a:lightRig rig="threePt" dir="t"/>
+          </a:scene3d>
+          <a:sp3d>
+            <a:bevelT/>
+          </a:sp3d>
         </p:spPr>
         <p:style>
           <a:lnRef idx="2">
@@ -8605,7 +9709,7 @@
         </p:nvSpPr>
         <p:spPr>
           <a:xfrm>
-            <a:off x="6964653" y="4317624"/>
+            <a:off x="4525329" y="4073106"/>
             <a:ext cx="514888" cy="276999"/>
           </a:xfrm>
           <a:prstGeom prst="rect">
@@ -8626,10 +9730,1384 @@
           </a:p>
         </p:txBody>
       </p:sp>
+      <p:cxnSp>
+        <p:nvCxnSpPr>
+          <p:cNvPr id="16" name="Connector: Elbow 15">
+            <a:extLst>
+              <a:ext uri="{FF2B5EF4-FFF2-40B4-BE49-F238E27FC236}">
+                <a16:creationId xmlns:a16="http://schemas.microsoft.com/office/drawing/2014/main" id="{E272B945-5287-BD24-70F5-CEC4305EBE12}"/>
+              </a:ext>
+            </a:extLst>
+          </p:cNvPr>
+          <p:cNvCxnSpPr>
+            <a:cxnSpLocks/>
+          </p:cNvCxnSpPr>
+          <p:nvPr/>
+        </p:nvCxnSpPr>
+        <p:spPr>
+          <a:xfrm>
+            <a:off x="6880755" y="4387897"/>
+            <a:ext cx="300205" cy="1563525"/>
+          </a:xfrm>
+          <a:prstGeom prst="bentConnector2">
+            <a:avLst/>
+          </a:prstGeom>
+          <a:ln w="50800">
+            <a:tailEnd type="stealth"/>
+          </a:ln>
+          <a:scene3d>
+            <a:camera prst="orthographicFront"/>
+            <a:lightRig rig="threePt" dir="t"/>
+          </a:scene3d>
+          <a:sp3d>
+            <a:bevelT/>
+          </a:sp3d>
+        </p:spPr>
+        <p:style>
+          <a:lnRef idx="1">
+            <a:schemeClr val="accent1"/>
+          </a:lnRef>
+          <a:fillRef idx="0">
+            <a:schemeClr val="accent1"/>
+          </a:fillRef>
+          <a:effectRef idx="0">
+            <a:schemeClr val="accent1"/>
+          </a:effectRef>
+          <a:fontRef idx="minor">
+            <a:schemeClr val="tx1"/>
+          </a:fontRef>
+        </p:style>
+      </p:cxnSp>
+      <p:sp>
+        <p:nvSpPr>
+          <p:cNvPr id="22" name="TextBox 21">
+            <a:extLst>
+              <a:ext uri="{FF2B5EF4-FFF2-40B4-BE49-F238E27FC236}">
+                <a16:creationId xmlns:a16="http://schemas.microsoft.com/office/drawing/2014/main" id="{185310DF-1651-2C06-6BF6-8B350CCEAB6D}"/>
+              </a:ext>
+            </a:extLst>
+          </p:cNvPr>
+          <p:cNvSpPr txBox="1"/>
+          <p:nvPr/>
+        </p:nvSpPr>
+        <p:spPr>
+          <a:xfrm>
+            <a:off x="9217371" y="5655286"/>
+            <a:ext cx="504825" cy="276999"/>
+          </a:xfrm>
+          <a:prstGeom prst="rect">
+            <a:avLst/>
+          </a:prstGeom>
+          <a:noFill/>
+          <a:scene3d>
+            <a:camera prst="orthographicFront"/>
+            <a:lightRig rig="threePt" dir="t"/>
+          </a:scene3d>
+          <a:sp3d>
+            <a:bevelT/>
+          </a:sp3d>
+        </p:spPr>
+        <p:txBody>
+          <a:bodyPr wrap="square" rtlCol="0">
+            <a:spAutoFit/>
+          </a:bodyPr>
+          <a:lstStyle/>
+          <a:p>
+            <a:r>
+              <a:rPr lang="en-US" sz="1200" dirty="0"/>
+              <a:t>Yes</a:t>
+            </a:r>
+          </a:p>
+        </p:txBody>
+      </p:sp>
+      <p:cxnSp>
+        <p:nvCxnSpPr>
+          <p:cNvPr id="24" name="Straight Arrow Connector 23">
+            <a:extLst>
+              <a:ext uri="{FF2B5EF4-FFF2-40B4-BE49-F238E27FC236}">
+                <a16:creationId xmlns:a16="http://schemas.microsoft.com/office/drawing/2014/main" id="{27344F68-0EC9-D2C0-18DF-46CBAA66FECE}"/>
+              </a:ext>
+            </a:extLst>
+          </p:cNvPr>
+          <p:cNvCxnSpPr>
+            <a:cxnSpLocks/>
+          </p:cNvCxnSpPr>
+          <p:nvPr/>
+        </p:nvCxnSpPr>
+        <p:spPr>
+          <a:xfrm>
+            <a:off x="9268283" y="5956330"/>
+            <a:ext cx="609536" cy="0"/>
+          </a:xfrm>
+          <a:prstGeom prst="straightConnector1">
+            <a:avLst/>
+          </a:prstGeom>
+          <a:ln w="50800">
+            <a:tailEnd type="stealth"/>
+          </a:ln>
+        </p:spPr>
+        <p:style>
+          <a:lnRef idx="1">
+            <a:schemeClr val="accent1"/>
+          </a:lnRef>
+          <a:fillRef idx="0">
+            <a:schemeClr val="accent1"/>
+          </a:fillRef>
+          <a:effectRef idx="0">
+            <a:schemeClr val="accent1"/>
+          </a:effectRef>
+          <a:fontRef idx="minor">
+            <a:schemeClr val="tx1"/>
+          </a:fontRef>
+        </p:style>
+      </p:cxnSp>
+      <p:sp>
+        <p:nvSpPr>
+          <p:cNvPr id="33" name="TextBox 32">
+            <a:extLst>
+              <a:ext uri="{FF2B5EF4-FFF2-40B4-BE49-F238E27FC236}">
+                <a16:creationId xmlns:a16="http://schemas.microsoft.com/office/drawing/2014/main" id="{A3B3B6D9-2CA0-EE90-D690-08E90F79F6A5}"/>
+              </a:ext>
+            </a:extLst>
+          </p:cNvPr>
+          <p:cNvSpPr txBox="1"/>
+          <p:nvPr/>
+        </p:nvSpPr>
+        <p:spPr>
+          <a:xfrm>
+            <a:off x="6741743" y="3968480"/>
+            <a:ext cx="504825" cy="276999"/>
+          </a:xfrm>
+          <a:prstGeom prst="rect">
+            <a:avLst/>
+          </a:prstGeom>
+          <a:noFill/>
+        </p:spPr>
+        <p:txBody>
+          <a:bodyPr wrap="square" rtlCol="0">
+            <a:spAutoFit/>
+          </a:bodyPr>
+          <a:lstStyle/>
+          <a:p>
+            <a:r>
+              <a:rPr lang="en-US" sz="1200" dirty="0"/>
+              <a:t>Yes</a:t>
+            </a:r>
+          </a:p>
+        </p:txBody>
+      </p:sp>
+      <p:cxnSp>
+        <p:nvCxnSpPr>
+          <p:cNvPr id="37" name="Connector: Elbow 36">
+            <a:extLst>
+              <a:ext uri="{FF2B5EF4-FFF2-40B4-BE49-F238E27FC236}">
+                <a16:creationId xmlns:a16="http://schemas.microsoft.com/office/drawing/2014/main" id="{B4EF4400-6503-0A26-7568-573ACCE46177}"/>
+              </a:ext>
+            </a:extLst>
+          </p:cNvPr>
+          <p:cNvCxnSpPr>
+            <a:cxnSpLocks/>
+            <a:stCxn id="21" idx="0"/>
+          </p:cNvCxnSpPr>
+          <p:nvPr/>
+        </p:nvCxnSpPr>
+        <p:spPr>
+          <a:xfrm rot="16200000" flipH="1" flipV="1">
+            <a:off x="7613754" y="5116954"/>
+            <a:ext cx="557146" cy="1111792"/>
+          </a:xfrm>
+          <a:prstGeom prst="bentConnector4">
+            <a:avLst>
+              <a:gd name="adj1" fmla="val -61351"/>
+              <a:gd name="adj2" fmla="val 100518"/>
+            </a:avLst>
+          </a:prstGeom>
+          <a:ln w="50800">
+            <a:tailEnd type="stealth"/>
+          </a:ln>
+          <a:scene3d>
+            <a:camera prst="orthographicFront"/>
+            <a:lightRig rig="threePt" dir="t"/>
+          </a:scene3d>
+          <a:sp3d>
+            <a:bevelT/>
+          </a:sp3d>
+        </p:spPr>
+        <p:style>
+          <a:lnRef idx="1">
+            <a:schemeClr val="accent1"/>
+          </a:lnRef>
+          <a:fillRef idx="0">
+            <a:schemeClr val="accent1"/>
+          </a:fillRef>
+          <a:effectRef idx="0">
+            <a:schemeClr val="accent1"/>
+          </a:effectRef>
+          <a:fontRef idx="minor">
+            <a:schemeClr val="tx1"/>
+          </a:fontRef>
+        </p:style>
+      </p:cxnSp>
+      <p:sp>
+        <p:nvSpPr>
+          <p:cNvPr id="42" name="TextBox 41">
+            <a:extLst>
+              <a:ext uri="{FF2B5EF4-FFF2-40B4-BE49-F238E27FC236}">
+                <a16:creationId xmlns:a16="http://schemas.microsoft.com/office/drawing/2014/main" id="{658A2CCE-DFE7-7673-D1B3-7A66B4022E6D}"/>
+              </a:ext>
+            </a:extLst>
+          </p:cNvPr>
+          <p:cNvSpPr txBox="1"/>
+          <p:nvPr/>
+        </p:nvSpPr>
+        <p:spPr>
+          <a:xfrm>
+            <a:off x="7800225" y="4671089"/>
+            <a:ext cx="504825" cy="276999"/>
+          </a:xfrm>
+          <a:prstGeom prst="rect">
+            <a:avLst/>
+          </a:prstGeom>
+          <a:noFill/>
+        </p:spPr>
+        <p:txBody>
+          <a:bodyPr wrap="square" rtlCol="0">
+            <a:spAutoFit/>
+          </a:bodyPr>
+          <a:lstStyle/>
+          <a:p>
+            <a:r>
+              <a:rPr lang="en-US" sz="1200" dirty="0"/>
+              <a:t>No</a:t>
+            </a:r>
+          </a:p>
+        </p:txBody>
+      </p:sp>
+      <p:sp>
+        <p:nvSpPr>
+          <p:cNvPr id="45" name="Flowchart: Connector 44">
+            <a:extLst>
+              <a:ext uri="{FF2B5EF4-FFF2-40B4-BE49-F238E27FC236}">
+                <a16:creationId xmlns:a16="http://schemas.microsoft.com/office/drawing/2014/main" id="{0F46C7A2-B366-EAA7-B2EF-DEFB0EA17E22}"/>
+              </a:ext>
+            </a:extLst>
+          </p:cNvPr>
+          <p:cNvSpPr/>
+          <p:nvPr/>
+        </p:nvSpPr>
+        <p:spPr>
+          <a:xfrm>
+            <a:off x="4983218" y="2560921"/>
+            <a:ext cx="443917" cy="402376"/>
+          </a:xfrm>
+          <a:prstGeom prst="flowChartConnector">
+            <a:avLst/>
+          </a:prstGeom>
+          <a:scene3d>
+            <a:camera prst="orthographicFront"/>
+            <a:lightRig rig="threePt" dir="t"/>
+          </a:scene3d>
+          <a:sp3d>
+            <a:bevelT/>
+          </a:sp3d>
+        </p:spPr>
+        <p:style>
+          <a:lnRef idx="2">
+            <a:schemeClr val="accent1">
+              <a:shade val="50000"/>
+            </a:schemeClr>
+          </a:lnRef>
+          <a:fillRef idx="1">
+            <a:schemeClr val="accent1"/>
+          </a:fillRef>
+          <a:effectRef idx="0">
+            <a:schemeClr val="accent1"/>
+          </a:effectRef>
+          <a:fontRef idx="minor">
+            <a:schemeClr val="lt1"/>
+          </a:fontRef>
+        </p:style>
+        <p:txBody>
+          <a:bodyPr wrap="square" rtlCol="0" anchor="ctr"/>
+          <a:lstStyle/>
+          <a:p>
+            <a:pPr algn="ctr"/>
+            <a:r>
+              <a:rPr lang="en-US" dirty="0"/>
+              <a:t>A</a:t>
+            </a:r>
+          </a:p>
+        </p:txBody>
+      </p:sp>
+      <p:sp>
+        <p:nvSpPr>
+          <p:cNvPr id="46" name="Flowchart: Connector 45">
+            <a:extLst>
+              <a:ext uri="{FF2B5EF4-FFF2-40B4-BE49-F238E27FC236}">
+                <a16:creationId xmlns:a16="http://schemas.microsoft.com/office/drawing/2014/main" id="{D4038AAA-FCBB-3FED-3A2B-5EB3F4EC0AA4}"/>
+              </a:ext>
+            </a:extLst>
+          </p:cNvPr>
+          <p:cNvSpPr/>
+          <p:nvPr/>
+        </p:nvSpPr>
+        <p:spPr>
+          <a:xfrm>
+            <a:off x="11224433" y="5233003"/>
+            <a:ext cx="443917" cy="402376"/>
+          </a:xfrm>
+          <a:prstGeom prst="flowChartConnector">
+            <a:avLst/>
+          </a:prstGeom>
+          <a:scene3d>
+            <a:camera prst="orthographicFront"/>
+            <a:lightRig rig="threePt" dir="t"/>
+          </a:scene3d>
+          <a:sp3d>
+            <a:bevelT/>
+          </a:sp3d>
+        </p:spPr>
+        <p:style>
+          <a:lnRef idx="2">
+            <a:schemeClr val="accent1">
+              <a:shade val="50000"/>
+            </a:schemeClr>
+          </a:lnRef>
+          <a:fillRef idx="1">
+            <a:schemeClr val="accent1"/>
+          </a:fillRef>
+          <a:effectRef idx="0">
+            <a:schemeClr val="accent1"/>
+          </a:effectRef>
+          <a:fontRef idx="minor">
+            <a:schemeClr val="lt1"/>
+          </a:fontRef>
+        </p:style>
+        <p:txBody>
+          <a:bodyPr rtlCol="0" anchor="ctr"/>
+          <a:lstStyle/>
+          <a:p>
+            <a:pPr algn="ctr"/>
+            <a:r>
+              <a:rPr lang="en-US" dirty="0"/>
+              <a:t>A</a:t>
+            </a:r>
+          </a:p>
+        </p:txBody>
+      </p:sp>
+      <p:cxnSp>
+        <p:nvCxnSpPr>
+          <p:cNvPr id="50" name="Straight Arrow Connector 49">
+            <a:extLst>
+              <a:ext uri="{FF2B5EF4-FFF2-40B4-BE49-F238E27FC236}">
+                <a16:creationId xmlns:a16="http://schemas.microsoft.com/office/drawing/2014/main" id="{748D620A-E6A3-A785-B96D-E962A88BB961}"/>
+              </a:ext>
+            </a:extLst>
+          </p:cNvPr>
+          <p:cNvCxnSpPr>
+            <a:cxnSpLocks/>
+          </p:cNvCxnSpPr>
+          <p:nvPr/>
+        </p:nvCxnSpPr>
+        <p:spPr>
+          <a:xfrm flipH="1">
+            <a:off x="10554071" y="5457533"/>
+            <a:ext cx="640646" cy="0"/>
+          </a:xfrm>
+          <a:prstGeom prst="straightConnector1">
+            <a:avLst/>
+          </a:prstGeom>
+          <a:ln w="50800">
+            <a:tailEnd type="stealth"/>
+          </a:ln>
+          <a:scene3d>
+            <a:camera prst="orthographicFront"/>
+            <a:lightRig rig="threePt" dir="t"/>
+          </a:scene3d>
+          <a:sp3d>
+            <a:bevelT/>
+          </a:sp3d>
+        </p:spPr>
+        <p:style>
+          <a:lnRef idx="1">
+            <a:schemeClr val="accent1"/>
+          </a:lnRef>
+          <a:fillRef idx="0">
+            <a:schemeClr val="accent1"/>
+          </a:fillRef>
+          <a:effectRef idx="0">
+            <a:schemeClr val="accent1"/>
+          </a:effectRef>
+          <a:fontRef idx="minor">
+            <a:schemeClr val="tx1"/>
+          </a:fontRef>
+        </p:style>
+      </p:cxnSp>
+      <p:cxnSp>
+        <p:nvCxnSpPr>
+          <p:cNvPr id="53" name="Straight Arrow Connector 52">
+            <a:extLst>
+              <a:ext uri="{FF2B5EF4-FFF2-40B4-BE49-F238E27FC236}">
+                <a16:creationId xmlns:a16="http://schemas.microsoft.com/office/drawing/2014/main" id="{224B4223-A3B5-DAFD-C67D-4DBACB411C29}"/>
+              </a:ext>
+            </a:extLst>
+          </p:cNvPr>
+          <p:cNvCxnSpPr>
+            <a:cxnSpLocks/>
+            <a:stCxn id="9" idx="5"/>
+          </p:cNvCxnSpPr>
+          <p:nvPr/>
+        </p:nvCxnSpPr>
+        <p:spPr>
+          <a:xfrm>
+            <a:off x="4514910" y="2760095"/>
+            <a:ext cx="438808" cy="9028"/>
+          </a:xfrm>
+          <a:prstGeom prst="straightConnector1">
+            <a:avLst/>
+          </a:prstGeom>
+          <a:ln w="60325">
+            <a:tailEnd type="stealth"/>
+          </a:ln>
+          <a:scene3d>
+            <a:camera prst="orthographicFront"/>
+            <a:lightRig rig="threePt" dir="t"/>
+          </a:scene3d>
+          <a:sp3d>
+            <a:bevelT/>
+          </a:sp3d>
+        </p:spPr>
+        <p:style>
+          <a:lnRef idx="1">
+            <a:schemeClr val="accent1"/>
+          </a:lnRef>
+          <a:fillRef idx="0">
+            <a:schemeClr val="accent1"/>
+          </a:fillRef>
+          <a:effectRef idx="0">
+            <a:schemeClr val="accent1"/>
+          </a:effectRef>
+          <a:fontRef idx="minor">
+            <a:schemeClr val="tx1"/>
+          </a:fontRef>
+        </p:style>
+      </p:cxnSp>
+      <p:sp>
+        <p:nvSpPr>
+          <p:cNvPr id="65" name="TextBox 64">
+            <a:extLst>
+              <a:ext uri="{FF2B5EF4-FFF2-40B4-BE49-F238E27FC236}">
+                <a16:creationId xmlns:a16="http://schemas.microsoft.com/office/drawing/2014/main" id="{BAED0911-9447-E992-DE6E-4E4B3799376B}"/>
+              </a:ext>
+            </a:extLst>
+          </p:cNvPr>
+          <p:cNvSpPr txBox="1"/>
+          <p:nvPr/>
+        </p:nvSpPr>
+        <p:spPr>
+          <a:xfrm>
+            <a:off x="3750579" y="6316427"/>
+            <a:ext cx="970310" cy="276999"/>
+          </a:xfrm>
+          <a:prstGeom prst="rect">
+            <a:avLst/>
+          </a:prstGeom>
+          <a:noFill/>
+        </p:spPr>
+        <p:txBody>
+          <a:bodyPr wrap="square" rtlCol="0">
+            <a:spAutoFit/>
+          </a:bodyPr>
+          <a:lstStyle/>
+          <a:p>
+            <a:pPr algn="ctr"/>
+            <a:r>
+              <a:rPr lang="en-US" sz="1200" dirty="0"/>
+              <a:t>Cancelled</a:t>
+            </a:r>
+          </a:p>
+        </p:txBody>
+      </p:sp>
+      <p:sp>
+        <p:nvSpPr>
+          <p:cNvPr id="69" name="Flowchart: Connector 68">
+            <a:extLst>
+              <a:ext uri="{FF2B5EF4-FFF2-40B4-BE49-F238E27FC236}">
+                <a16:creationId xmlns:a16="http://schemas.microsoft.com/office/drawing/2014/main" id="{078513D6-9A7E-BC64-16BC-548E71D4BD27}"/>
+              </a:ext>
+            </a:extLst>
+          </p:cNvPr>
+          <p:cNvSpPr/>
+          <p:nvPr/>
+        </p:nvSpPr>
+        <p:spPr>
+          <a:xfrm>
+            <a:off x="2562844" y="6392238"/>
+            <a:ext cx="443917" cy="402376"/>
+          </a:xfrm>
+          <a:prstGeom prst="flowChartConnector">
+            <a:avLst/>
+          </a:prstGeom>
+          <a:scene3d>
+            <a:camera prst="orthographicFront"/>
+            <a:lightRig rig="threePt" dir="t"/>
+          </a:scene3d>
+          <a:sp3d>
+            <a:bevelT/>
+          </a:sp3d>
+        </p:spPr>
+        <p:style>
+          <a:lnRef idx="2">
+            <a:schemeClr val="accent1">
+              <a:shade val="50000"/>
+            </a:schemeClr>
+          </a:lnRef>
+          <a:fillRef idx="1">
+            <a:schemeClr val="accent1"/>
+          </a:fillRef>
+          <a:effectRef idx="0">
+            <a:schemeClr val="accent1"/>
+          </a:effectRef>
+          <a:fontRef idx="minor">
+            <a:schemeClr val="lt1"/>
+          </a:fontRef>
+        </p:style>
+        <p:txBody>
+          <a:bodyPr wrap="square" rtlCol="0" anchor="ctr"/>
+          <a:lstStyle/>
+          <a:p>
+            <a:pPr algn="ctr"/>
+            <a:r>
+              <a:rPr lang="en-US" dirty="0"/>
+              <a:t>A</a:t>
+            </a:r>
+          </a:p>
+        </p:txBody>
+      </p:sp>
+      <p:cxnSp>
+        <p:nvCxnSpPr>
+          <p:cNvPr id="76" name="Connector: Elbow 75">
+            <a:extLst>
+              <a:ext uri="{FF2B5EF4-FFF2-40B4-BE49-F238E27FC236}">
+                <a16:creationId xmlns:a16="http://schemas.microsoft.com/office/drawing/2014/main" id="{9AA80E34-EFE5-8061-BE99-DB8DA6352518}"/>
+              </a:ext>
+            </a:extLst>
+          </p:cNvPr>
+          <p:cNvCxnSpPr>
+            <a:cxnSpLocks/>
+          </p:cNvCxnSpPr>
+          <p:nvPr/>
+        </p:nvCxnSpPr>
+        <p:spPr>
+          <a:xfrm rot="5400000">
+            <a:off x="3108190" y="6072230"/>
+            <a:ext cx="370115" cy="680174"/>
+          </a:xfrm>
+          <a:prstGeom prst="bentConnector2">
+            <a:avLst/>
+          </a:prstGeom>
+          <a:ln w="50800">
+            <a:tailEnd type="stealth"/>
+          </a:ln>
+          <a:scene3d>
+            <a:camera prst="orthographicFront"/>
+            <a:lightRig rig="threePt" dir="t"/>
+          </a:scene3d>
+          <a:sp3d>
+            <a:bevelT/>
+          </a:sp3d>
+        </p:spPr>
+        <p:style>
+          <a:lnRef idx="1">
+            <a:schemeClr val="accent1"/>
+          </a:lnRef>
+          <a:fillRef idx="0">
+            <a:schemeClr val="accent1"/>
+          </a:fillRef>
+          <a:effectRef idx="0">
+            <a:schemeClr val="accent1"/>
+          </a:effectRef>
+          <a:fontRef idx="minor">
+            <a:schemeClr val="tx1"/>
+          </a:fontRef>
+        </p:style>
+      </p:cxnSp>
+      <p:cxnSp>
+        <p:nvCxnSpPr>
+          <p:cNvPr id="81" name="Connector: Elbow 80">
+            <a:extLst>
+              <a:ext uri="{FF2B5EF4-FFF2-40B4-BE49-F238E27FC236}">
+                <a16:creationId xmlns:a16="http://schemas.microsoft.com/office/drawing/2014/main" id="{CF9586C8-C4DB-0B87-DC0A-92A83D85FF8D}"/>
+              </a:ext>
+            </a:extLst>
+          </p:cNvPr>
+          <p:cNvCxnSpPr>
+            <a:cxnSpLocks/>
+          </p:cNvCxnSpPr>
+          <p:nvPr/>
+        </p:nvCxnSpPr>
+        <p:spPr>
+          <a:xfrm>
+            <a:off x="5907913" y="6445617"/>
+            <a:ext cx="702025" cy="245557"/>
+          </a:xfrm>
+          <a:prstGeom prst="bentConnector3">
+            <a:avLst>
+              <a:gd name="adj1" fmla="val 380"/>
+            </a:avLst>
+          </a:prstGeom>
+          <a:ln w="50800">
+            <a:tailEnd type="stealth"/>
+          </a:ln>
+          <a:scene3d>
+            <a:camera prst="orthographicFront"/>
+            <a:lightRig rig="threePt" dir="t"/>
+          </a:scene3d>
+          <a:sp3d>
+            <a:bevelT/>
+          </a:sp3d>
+        </p:spPr>
+        <p:style>
+          <a:lnRef idx="1">
+            <a:schemeClr val="accent1"/>
+          </a:lnRef>
+          <a:fillRef idx="0">
+            <a:schemeClr val="accent1"/>
+          </a:fillRef>
+          <a:effectRef idx="0">
+            <a:schemeClr val="accent1"/>
+          </a:effectRef>
+          <a:fontRef idx="minor">
+            <a:schemeClr val="tx1"/>
+          </a:fontRef>
+        </p:style>
+      </p:cxnSp>
+      <p:sp>
+        <p:nvSpPr>
+          <p:cNvPr id="87" name="TextBox 86">
+            <a:extLst>
+              <a:ext uri="{FF2B5EF4-FFF2-40B4-BE49-F238E27FC236}">
+                <a16:creationId xmlns:a16="http://schemas.microsoft.com/office/drawing/2014/main" id="{34D36382-5E3B-1352-229A-1DEFE0260761}"/>
+              </a:ext>
+            </a:extLst>
+          </p:cNvPr>
+          <p:cNvSpPr txBox="1"/>
+          <p:nvPr/>
+        </p:nvSpPr>
+        <p:spPr>
+          <a:xfrm>
+            <a:off x="4953718" y="6475051"/>
+            <a:ext cx="970310" cy="276999"/>
+          </a:xfrm>
+          <a:prstGeom prst="rect">
+            <a:avLst/>
+          </a:prstGeom>
+          <a:noFill/>
+        </p:spPr>
+        <p:txBody>
+          <a:bodyPr wrap="square" rtlCol="0">
+            <a:spAutoFit/>
+          </a:bodyPr>
+          <a:lstStyle/>
+          <a:p>
+            <a:pPr algn="ctr"/>
+            <a:r>
+              <a:rPr lang="en-US" sz="1200" dirty="0"/>
+              <a:t>Cancelled</a:t>
+            </a:r>
+          </a:p>
+        </p:txBody>
+      </p:sp>
+      <p:sp>
+        <p:nvSpPr>
+          <p:cNvPr id="88" name="Flowchart: Connector 87">
+            <a:extLst>
+              <a:ext uri="{FF2B5EF4-FFF2-40B4-BE49-F238E27FC236}">
+                <a16:creationId xmlns:a16="http://schemas.microsoft.com/office/drawing/2014/main" id="{BE58A60D-20AC-A680-4944-101E2B632869}"/>
+              </a:ext>
+            </a:extLst>
+          </p:cNvPr>
+          <p:cNvSpPr/>
+          <p:nvPr/>
+        </p:nvSpPr>
+        <p:spPr>
+          <a:xfrm>
+            <a:off x="6602884" y="6433471"/>
+            <a:ext cx="443917" cy="402376"/>
+          </a:xfrm>
+          <a:prstGeom prst="flowChartConnector">
+            <a:avLst/>
+          </a:prstGeom>
+        </p:spPr>
+        <p:style>
+          <a:lnRef idx="2">
+            <a:schemeClr val="accent1">
+              <a:shade val="50000"/>
+            </a:schemeClr>
+          </a:lnRef>
+          <a:fillRef idx="1">
+            <a:schemeClr val="accent1"/>
+          </a:fillRef>
+          <a:effectRef idx="0">
+            <a:schemeClr val="accent1"/>
+          </a:effectRef>
+          <a:fontRef idx="minor">
+            <a:schemeClr val="lt1"/>
+          </a:fontRef>
+        </p:style>
+        <p:txBody>
+          <a:bodyPr wrap="square" rtlCol="0" anchor="ctr"/>
+          <a:lstStyle/>
+          <a:p>
+            <a:pPr algn="ctr"/>
+            <a:r>
+              <a:rPr lang="en-US" dirty="0"/>
+              <a:t>A</a:t>
+            </a:r>
+          </a:p>
+        </p:txBody>
+      </p:sp>
+      <p:cxnSp>
+        <p:nvCxnSpPr>
+          <p:cNvPr id="89" name="Connector: Elbow 88">
+            <a:extLst>
+              <a:ext uri="{FF2B5EF4-FFF2-40B4-BE49-F238E27FC236}">
+                <a16:creationId xmlns:a16="http://schemas.microsoft.com/office/drawing/2014/main" id="{5C994E7C-3FE8-6FA8-B231-54F9C7A9DCAD}"/>
+              </a:ext>
+            </a:extLst>
+          </p:cNvPr>
+          <p:cNvCxnSpPr>
+            <a:cxnSpLocks/>
+          </p:cNvCxnSpPr>
+          <p:nvPr/>
+        </p:nvCxnSpPr>
+        <p:spPr>
+          <a:xfrm>
+            <a:off x="8448222" y="6430390"/>
+            <a:ext cx="702025" cy="245557"/>
+          </a:xfrm>
+          <a:prstGeom prst="bentConnector3">
+            <a:avLst>
+              <a:gd name="adj1" fmla="val 380"/>
+            </a:avLst>
+          </a:prstGeom>
+          <a:ln w="50800">
+            <a:tailEnd type="stealth"/>
+          </a:ln>
+          <a:scene3d>
+            <a:camera prst="orthographicFront"/>
+            <a:lightRig rig="threePt" dir="t"/>
+          </a:scene3d>
+          <a:sp3d>
+            <a:bevelT/>
+          </a:sp3d>
+        </p:spPr>
+        <p:style>
+          <a:lnRef idx="1">
+            <a:schemeClr val="accent1"/>
+          </a:lnRef>
+          <a:fillRef idx="0">
+            <a:schemeClr val="accent1"/>
+          </a:fillRef>
+          <a:effectRef idx="0">
+            <a:schemeClr val="accent1"/>
+          </a:effectRef>
+          <a:fontRef idx="minor">
+            <a:schemeClr val="tx1"/>
+          </a:fontRef>
+        </p:style>
+      </p:cxnSp>
+      <p:sp>
+        <p:nvSpPr>
+          <p:cNvPr id="90" name="Flowchart: Connector 89">
+            <a:extLst>
+              <a:ext uri="{FF2B5EF4-FFF2-40B4-BE49-F238E27FC236}">
+                <a16:creationId xmlns:a16="http://schemas.microsoft.com/office/drawing/2014/main" id="{D5020E36-A783-16AD-CE9E-FA5F9D2DBED3}"/>
+              </a:ext>
+            </a:extLst>
+          </p:cNvPr>
+          <p:cNvSpPr/>
+          <p:nvPr/>
+        </p:nvSpPr>
+        <p:spPr>
+          <a:xfrm>
+            <a:off x="9132964" y="6433471"/>
+            <a:ext cx="443917" cy="402376"/>
+          </a:xfrm>
+          <a:prstGeom prst="flowChartConnector">
+            <a:avLst/>
+          </a:prstGeom>
+        </p:spPr>
+        <p:style>
+          <a:lnRef idx="2">
+            <a:schemeClr val="accent1">
+              <a:shade val="50000"/>
+            </a:schemeClr>
+          </a:lnRef>
+          <a:fillRef idx="1">
+            <a:schemeClr val="accent1"/>
+          </a:fillRef>
+          <a:effectRef idx="0">
+            <a:schemeClr val="accent1"/>
+          </a:effectRef>
+          <a:fontRef idx="minor">
+            <a:schemeClr val="lt1"/>
+          </a:fontRef>
+        </p:style>
+        <p:txBody>
+          <a:bodyPr wrap="square" rtlCol="0" anchor="ctr"/>
+          <a:lstStyle/>
+          <a:p>
+            <a:pPr algn="ctr"/>
+            <a:r>
+              <a:rPr lang="en-US" dirty="0"/>
+              <a:t>A</a:t>
+            </a:r>
+          </a:p>
+        </p:txBody>
+      </p:sp>
+      <p:sp>
+        <p:nvSpPr>
+          <p:cNvPr id="91" name="TextBox 90">
+            <a:extLst>
+              <a:ext uri="{FF2B5EF4-FFF2-40B4-BE49-F238E27FC236}">
+                <a16:creationId xmlns:a16="http://schemas.microsoft.com/office/drawing/2014/main" id="{70F588EB-271D-9B55-D01D-326BC0EA5CA3}"/>
+              </a:ext>
+            </a:extLst>
+          </p:cNvPr>
+          <p:cNvSpPr txBox="1"/>
+          <p:nvPr/>
+        </p:nvSpPr>
+        <p:spPr>
+          <a:xfrm>
+            <a:off x="7436549" y="6417258"/>
+            <a:ext cx="970310" cy="276999"/>
+          </a:xfrm>
+          <a:prstGeom prst="rect">
+            <a:avLst/>
+          </a:prstGeom>
+          <a:noFill/>
+        </p:spPr>
+        <p:txBody>
+          <a:bodyPr wrap="square" rtlCol="0">
+            <a:spAutoFit/>
+          </a:bodyPr>
+          <a:lstStyle/>
+          <a:p>
+            <a:pPr algn="ctr"/>
+            <a:r>
+              <a:rPr lang="en-US" sz="1200" dirty="0"/>
+              <a:t>Cancelled</a:t>
+            </a:r>
+          </a:p>
+        </p:txBody>
+      </p:sp>
+      <p:sp>
+        <p:nvSpPr>
+          <p:cNvPr id="92" name="TextBox 91">
+            <a:extLst>
+              <a:ext uri="{FF2B5EF4-FFF2-40B4-BE49-F238E27FC236}">
+                <a16:creationId xmlns:a16="http://schemas.microsoft.com/office/drawing/2014/main" id="{0168C969-2C61-2093-681F-645961346036}"/>
+              </a:ext>
+            </a:extLst>
+          </p:cNvPr>
+          <p:cNvSpPr txBox="1"/>
+          <p:nvPr/>
+        </p:nvSpPr>
+        <p:spPr>
+          <a:xfrm>
+            <a:off x="4922112" y="3463532"/>
+            <a:ext cx="970310" cy="276999"/>
+          </a:xfrm>
+          <a:prstGeom prst="rect">
+            <a:avLst/>
+          </a:prstGeom>
+          <a:noFill/>
+        </p:spPr>
+        <p:txBody>
+          <a:bodyPr wrap="square" rtlCol="0">
+            <a:spAutoFit/>
+          </a:bodyPr>
+          <a:lstStyle/>
+          <a:p>
+            <a:pPr algn="ctr"/>
+            <a:r>
+              <a:rPr lang="en-US" sz="1200" dirty="0"/>
+              <a:t>Cancelled</a:t>
+            </a:r>
+          </a:p>
+        </p:txBody>
+      </p:sp>
+      <p:cxnSp>
+        <p:nvCxnSpPr>
+          <p:cNvPr id="93" name="Connector: Elbow 92">
+            <a:extLst>
+              <a:ext uri="{FF2B5EF4-FFF2-40B4-BE49-F238E27FC236}">
+                <a16:creationId xmlns:a16="http://schemas.microsoft.com/office/drawing/2014/main" id="{128ADA2D-97B3-3122-3E6E-1700C0BB444F}"/>
+              </a:ext>
+            </a:extLst>
+          </p:cNvPr>
+          <p:cNvCxnSpPr>
+            <a:cxnSpLocks/>
+            <a:stCxn id="67" idx="0"/>
+          </p:cNvCxnSpPr>
+          <p:nvPr/>
+        </p:nvCxnSpPr>
+        <p:spPr>
+          <a:xfrm rot="16200000" flipV="1">
+            <a:off x="5662887" y="3572724"/>
+            <a:ext cx="493457" cy="3404"/>
+          </a:xfrm>
+          <a:prstGeom prst="bentConnector3">
+            <a:avLst>
+              <a:gd name="adj1" fmla="val 50000"/>
+            </a:avLst>
+          </a:prstGeom>
+          <a:ln w="50800">
+            <a:tailEnd type="stealth"/>
+          </a:ln>
+          <a:scene3d>
+            <a:camera prst="orthographicFront"/>
+            <a:lightRig rig="threePt" dir="t"/>
+          </a:scene3d>
+          <a:sp3d>
+            <a:bevelT/>
+          </a:sp3d>
+        </p:spPr>
+        <p:style>
+          <a:lnRef idx="1">
+            <a:schemeClr val="accent1"/>
+          </a:lnRef>
+          <a:fillRef idx="0">
+            <a:schemeClr val="accent1"/>
+          </a:fillRef>
+          <a:effectRef idx="0">
+            <a:schemeClr val="accent1"/>
+          </a:effectRef>
+          <a:fontRef idx="minor">
+            <a:schemeClr val="tx1"/>
+          </a:fontRef>
+        </p:style>
+      </p:cxnSp>
+      <p:sp>
+        <p:nvSpPr>
+          <p:cNvPr id="96" name="Flowchart: Connector 95">
+            <a:extLst>
+              <a:ext uri="{FF2B5EF4-FFF2-40B4-BE49-F238E27FC236}">
+                <a16:creationId xmlns:a16="http://schemas.microsoft.com/office/drawing/2014/main" id="{2D933B18-F67F-481E-85A1-58E9BC491E53}"/>
+              </a:ext>
+            </a:extLst>
+          </p:cNvPr>
+          <p:cNvSpPr/>
+          <p:nvPr/>
+        </p:nvSpPr>
+        <p:spPr>
+          <a:xfrm>
+            <a:off x="5685954" y="2933053"/>
+            <a:ext cx="443917" cy="402376"/>
+          </a:xfrm>
+          <a:prstGeom prst="flowChartConnector">
+            <a:avLst/>
+          </a:prstGeom>
+          <a:scene3d>
+            <a:camera prst="orthographicFront"/>
+            <a:lightRig rig="threePt" dir="t"/>
+          </a:scene3d>
+          <a:sp3d>
+            <a:bevelT/>
+          </a:sp3d>
+        </p:spPr>
+        <p:style>
+          <a:lnRef idx="2">
+            <a:schemeClr val="accent1">
+              <a:shade val="50000"/>
+            </a:schemeClr>
+          </a:lnRef>
+          <a:fillRef idx="1">
+            <a:schemeClr val="accent1"/>
+          </a:fillRef>
+          <a:effectRef idx="0">
+            <a:schemeClr val="accent1"/>
+          </a:effectRef>
+          <a:fontRef idx="minor">
+            <a:schemeClr val="lt1"/>
+          </a:fontRef>
+        </p:style>
+        <p:txBody>
+          <a:bodyPr rtlCol="0" anchor="ctr"/>
+          <a:lstStyle/>
+          <a:p>
+            <a:pPr algn="ctr"/>
+            <a:r>
+              <a:rPr lang="en-US" dirty="0"/>
+              <a:t>A</a:t>
+            </a:r>
+          </a:p>
+        </p:txBody>
+      </p:sp>
+      <p:sp>
+        <p:nvSpPr>
+          <p:cNvPr id="30" name="Flowchart: Decision 29">
+            <a:extLst>
+              <a:ext uri="{FF2B5EF4-FFF2-40B4-BE49-F238E27FC236}">
+                <a16:creationId xmlns:a16="http://schemas.microsoft.com/office/drawing/2014/main" id="{12F13383-773D-24E0-628A-71DBA4003A21}"/>
+              </a:ext>
+            </a:extLst>
+          </p:cNvPr>
+          <p:cNvSpPr/>
+          <p:nvPr/>
+        </p:nvSpPr>
+        <p:spPr>
+          <a:xfrm>
+            <a:off x="2799276" y="5502405"/>
+            <a:ext cx="1659463" cy="972143"/>
+          </a:xfrm>
+          <a:prstGeom prst="flowChartDecision">
+            <a:avLst/>
+          </a:prstGeom>
+          <a:scene3d>
+            <a:camera prst="orthographicFront"/>
+            <a:lightRig rig="threePt" dir="t"/>
+          </a:scene3d>
+          <a:sp3d>
+            <a:bevelT/>
+          </a:sp3d>
+        </p:spPr>
+        <p:style>
+          <a:lnRef idx="2">
+            <a:schemeClr val="accent1">
+              <a:shade val="50000"/>
+            </a:schemeClr>
+          </a:lnRef>
+          <a:fillRef idx="1">
+            <a:schemeClr val="accent1"/>
+          </a:fillRef>
+          <a:effectRef idx="0">
+            <a:schemeClr val="accent1"/>
+          </a:effectRef>
+          <a:fontRef idx="minor">
+            <a:schemeClr val="lt1"/>
+          </a:fontRef>
+        </p:style>
+        <p:txBody>
+          <a:bodyPr rtlCol="0" anchor="ctr"/>
+          <a:lstStyle/>
+          <a:p>
+            <a:pPr algn="ctr"/>
+            <a:r>
+              <a:rPr lang="en-US" sz="1200" dirty="0"/>
+              <a:t>Name and WID match?</a:t>
+            </a:r>
+          </a:p>
+        </p:txBody>
+      </p:sp>
+      <p:sp>
+        <p:nvSpPr>
+          <p:cNvPr id="56" name="Flowchart: Decision 55">
+            <a:extLst>
+              <a:ext uri="{FF2B5EF4-FFF2-40B4-BE49-F238E27FC236}">
+                <a16:creationId xmlns:a16="http://schemas.microsoft.com/office/drawing/2014/main" id="{5BCB3AB6-C22A-40E1-B659-D8F427519665}"/>
+              </a:ext>
+            </a:extLst>
+          </p:cNvPr>
+          <p:cNvSpPr/>
+          <p:nvPr/>
+        </p:nvSpPr>
+        <p:spPr>
+          <a:xfrm>
+            <a:off x="4846142" y="5411879"/>
+            <a:ext cx="2123543" cy="1121049"/>
+          </a:xfrm>
+          <a:prstGeom prst="flowChartDecision">
+            <a:avLst/>
+          </a:prstGeom>
+          <a:scene3d>
+            <a:camera prst="orthographicFront"/>
+            <a:lightRig rig="threePt" dir="t"/>
+          </a:scene3d>
+          <a:sp3d>
+            <a:bevelT/>
+          </a:sp3d>
+        </p:spPr>
+        <p:style>
+          <a:lnRef idx="2">
+            <a:schemeClr val="accent1">
+              <a:shade val="50000"/>
+            </a:schemeClr>
+          </a:lnRef>
+          <a:fillRef idx="1">
+            <a:schemeClr val="accent1"/>
+          </a:fillRef>
+          <a:effectRef idx="0">
+            <a:schemeClr val="accent1"/>
+          </a:effectRef>
+          <a:fontRef idx="minor">
+            <a:schemeClr val="lt1"/>
+          </a:fontRef>
+        </p:style>
+        <p:txBody>
+          <a:bodyPr rtlCol="0" anchor="ctr"/>
+          <a:lstStyle/>
+          <a:p>
+            <a:pPr algn="ctr"/>
+            <a:r>
+              <a:rPr lang="en-US" sz="1200" dirty="0"/>
+              <a:t>Item condition ok until next due date?</a:t>
+            </a:r>
+          </a:p>
+        </p:txBody>
+      </p:sp>
+      <p:sp>
+        <p:nvSpPr>
+          <p:cNvPr id="21" name="Flowchart: Decision 20">
+            <a:extLst>
+              <a:ext uri="{FF2B5EF4-FFF2-40B4-BE49-F238E27FC236}">
+                <a16:creationId xmlns:a16="http://schemas.microsoft.com/office/drawing/2014/main" id="{0191531A-0B43-7FC0-928B-D4394E59FC80}"/>
+              </a:ext>
+            </a:extLst>
+          </p:cNvPr>
+          <p:cNvSpPr/>
+          <p:nvPr/>
+        </p:nvSpPr>
+        <p:spPr>
+          <a:xfrm>
+            <a:off x="7551336" y="5394277"/>
+            <a:ext cx="1793773" cy="1124106"/>
+          </a:xfrm>
+          <a:prstGeom prst="flowChartDecision">
+            <a:avLst/>
+          </a:prstGeom>
+          <a:scene3d>
+            <a:camera prst="orthographicFront"/>
+            <a:lightRig rig="threePt" dir="t"/>
+          </a:scene3d>
+          <a:sp3d>
+            <a:bevelT/>
+          </a:sp3d>
+        </p:spPr>
+        <p:style>
+          <a:lnRef idx="2">
+            <a:schemeClr val="accent1">
+              <a:shade val="50000"/>
+            </a:schemeClr>
+          </a:lnRef>
+          <a:fillRef idx="1">
+            <a:schemeClr val="accent1"/>
+          </a:fillRef>
+          <a:effectRef idx="0">
+            <a:schemeClr val="accent1"/>
+          </a:effectRef>
+          <a:fontRef idx="minor">
+            <a:schemeClr val="lt1"/>
+          </a:fontRef>
+        </p:style>
+        <p:txBody>
+          <a:bodyPr rtlCol="0" anchor="ctr"/>
+          <a:lstStyle/>
+          <a:p>
+            <a:pPr algn="ctr"/>
+            <a:r>
+              <a:rPr lang="en-US" sz="1200" dirty="0"/>
+              <a:t>Time Taken in mins? entered</a:t>
+            </a:r>
+          </a:p>
+        </p:txBody>
+      </p:sp>
+      <p:sp>
+        <p:nvSpPr>
+          <p:cNvPr id="2" name="TextBox 1">
+            <a:extLst>
+              <a:ext uri="{FF2B5EF4-FFF2-40B4-BE49-F238E27FC236}">
+                <a16:creationId xmlns:a16="http://schemas.microsoft.com/office/drawing/2014/main" id="{212FA24E-AD1C-A7F6-7373-C0904CA6C885}"/>
+              </a:ext>
+            </a:extLst>
+          </p:cNvPr>
+          <p:cNvSpPr txBox="1"/>
+          <p:nvPr/>
+        </p:nvSpPr>
+        <p:spPr>
+          <a:xfrm>
+            <a:off x="6528360" y="2156472"/>
+            <a:ext cx="3839723" cy="369332"/>
+          </a:xfrm>
+          <a:prstGeom prst="rect">
+            <a:avLst/>
+          </a:prstGeom>
+          <a:noFill/>
+        </p:spPr>
+        <p:txBody>
+          <a:bodyPr wrap="square">
+            <a:spAutoFit/>
+          </a:bodyPr>
+          <a:lstStyle/>
+          <a:p>
+            <a:r>
+              <a:rPr lang="en-US" i="1" dirty="0"/>
+              <a:t>Simple and User – Friendly design</a:t>
+            </a:r>
+            <a:endParaRPr lang="en-SG" i="1" dirty="0"/>
+          </a:p>
+        </p:txBody>
+      </p:sp>
     </p:spTree>
     <p:extLst>
       <p:ext uri="{BB962C8B-B14F-4D97-AF65-F5344CB8AC3E}">
         <p14:creationId xmlns:p14="http://schemas.microsoft.com/office/powerpoint/2010/main" val="4153594769"/>
+      </p:ext>
+    </p:extLst>
+  </p:cSld>
+  <p:clrMapOvr>
+    <a:masterClrMapping/>
+  </p:clrMapOvr>
+</p:sld>
+</file>
+
+<file path=ppt/slides/slide7.xml><?xml version="1.0" encoding="utf-8"?>
+<p:sld xmlns:a="http://schemas.openxmlformats.org/drawingml/2006/main" xmlns:r="http://schemas.openxmlformats.org/officeDocument/2006/relationships" xmlns:p="http://schemas.openxmlformats.org/presentationml/2006/main">
+  <p:cSld>
+    <p:spTree>
+      <p:nvGrpSpPr>
+        <p:cNvPr id="1" name=""/>
+        <p:cNvGrpSpPr/>
+        <p:nvPr/>
+      </p:nvGrpSpPr>
+      <p:grpSpPr>
+        <a:xfrm>
+          <a:off x="0" y="0"/>
+          <a:ext cx="0" cy="0"/>
+          <a:chOff x="0" y="0"/>
+          <a:chExt cx="0" cy="0"/>
+        </a:xfrm>
+      </p:grpSpPr>
+      <p:sp>
+        <p:nvSpPr>
+          <p:cNvPr id="4" name="TextBox 3">
+            <a:extLst>
+              <a:ext uri="{FF2B5EF4-FFF2-40B4-BE49-F238E27FC236}">
+                <a16:creationId xmlns:a16="http://schemas.microsoft.com/office/drawing/2014/main" id="{058AC913-5723-7279-A577-FF25CBB4C07A}"/>
+              </a:ext>
+            </a:extLst>
+          </p:cNvPr>
+          <p:cNvSpPr txBox="1"/>
+          <p:nvPr/>
+        </p:nvSpPr>
+        <p:spPr>
+          <a:xfrm>
+            <a:off x="890597" y="1702937"/>
+            <a:ext cx="3362089" cy="461665"/>
+          </a:xfrm>
+          <a:prstGeom prst="rect">
+            <a:avLst/>
+          </a:prstGeom>
+          <a:noFill/>
+        </p:spPr>
+        <p:txBody>
+          <a:bodyPr wrap="square">
+            <a:spAutoFit/>
+          </a:bodyPr>
+          <a:lstStyle/>
+          <a:p>
+            <a:r>
+              <a:rPr lang="en-US" sz="2400" i="1" dirty="0"/>
+              <a:t>System requirements:</a:t>
+            </a:r>
+            <a:endParaRPr lang="en-SG" sz="2400" i="1" dirty="0"/>
+          </a:p>
+        </p:txBody>
+      </p:sp>
+      <p:sp>
+        <p:nvSpPr>
+          <p:cNvPr id="5" name="TextBox 4">
+            <a:extLst>
+              <a:ext uri="{FF2B5EF4-FFF2-40B4-BE49-F238E27FC236}">
+                <a16:creationId xmlns:a16="http://schemas.microsoft.com/office/drawing/2014/main" id="{CC9C0B44-F294-020D-A23F-2D0250083A88}"/>
+              </a:ext>
+            </a:extLst>
+          </p:cNvPr>
+          <p:cNvSpPr txBox="1"/>
+          <p:nvPr/>
+        </p:nvSpPr>
+        <p:spPr>
+          <a:xfrm>
+            <a:off x="4056641" y="2324884"/>
+            <a:ext cx="4716588" cy="2893100"/>
+          </a:xfrm>
+          <a:prstGeom prst="rect">
+            <a:avLst/>
+          </a:prstGeom>
+          <a:noFill/>
+        </p:spPr>
+        <p:txBody>
+          <a:bodyPr wrap="square">
+            <a:spAutoFit/>
+          </a:bodyPr>
+          <a:lstStyle/>
+          <a:p>
+            <a:pPr marL="342900" indent="-342900" defTabSz="342900">
+              <a:spcAft>
+                <a:spcPts val="600"/>
+              </a:spcAft>
+              <a:buAutoNum type="arabicPeriod"/>
+            </a:pPr>
+            <a:r>
+              <a:rPr lang="en-SG" i="1" dirty="0"/>
+              <a:t>MS Office 2019 or higher</a:t>
+            </a:r>
+          </a:p>
+          <a:p>
+            <a:pPr marL="342900" indent="-342900" defTabSz="342900">
+              <a:spcAft>
+                <a:spcPts val="600"/>
+              </a:spcAft>
+              <a:buAutoNum type="arabicPeriod"/>
+            </a:pPr>
+            <a:r>
+              <a:rPr lang="en-SG" i="1" dirty="0"/>
+              <a:t>Latest VBA Update</a:t>
+            </a:r>
+          </a:p>
+          <a:p>
+            <a:pPr marL="342900" indent="-342900" defTabSz="342900">
+              <a:spcAft>
+                <a:spcPts val="600"/>
+              </a:spcAft>
+              <a:buAutoNum type="arabicPeriod"/>
+            </a:pPr>
+            <a:r>
+              <a:rPr lang="en-SG" i="1" dirty="0"/>
+              <a:t>Dedicated PC or Shared PC but no other excel file is used on that PC cause UI in VBA form will not allow other excel file to run while it is in use</a:t>
+            </a:r>
+          </a:p>
+          <a:p>
+            <a:pPr marL="342900" indent="-342900" defTabSz="342900">
+              <a:spcAft>
+                <a:spcPts val="600"/>
+              </a:spcAft>
+              <a:buAutoNum type="arabicPeriod"/>
+            </a:pPr>
+            <a:r>
+              <a:rPr lang="en-SG" i="1" dirty="0"/>
+              <a:t>Outlook account to enable auto email sending of updates</a:t>
+            </a:r>
+          </a:p>
+          <a:p>
+            <a:pPr marL="342900" indent="-342900" defTabSz="342900">
+              <a:spcAft>
+                <a:spcPts val="600"/>
+              </a:spcAft>
+              <a:buAutoNum type="arabicPeriod"/>
+            </a:pPr>
+            <a:r>
+              <a:rPr lang="en-SG" i="1" dirty="0"/>
+              <a:t>Share point access</a:t>
+            </a:r>
+          </a:p>
+        </p:txBody>
+      </p:sp>
+    </p:spTree>
+    <p:extLst>
+      <p:ext uri="{BB962C8B-B14F-4D97-AF65-F5344CB8AC3E}">
+        <p14:creationId xmlns:p14="http://schemas.microsoft.com/office/powerpoint/2010/main" val="1757054357"/>
       </p:ext>
     </p:extLst>
   </p:cSld>
@@ -8752,7 +11230,7 @@
         <a:font script="Geor" typeface="Sylfaen"/>
       </a:minorFont>
     </a:fontScheme>
-    <a:fmtScheme name="Ion">
+    <a:fmtScheme name="Glossy">
       <a:fillStyleLst>
         <a:solidFill>
           <a:schemeClr val="phClr"/>
@@ -8761,52 +11239,78 @@
           <a:gsLst>
             <a:gs pos="0">
               <a:schemeClr val="phClr">
-                <a:tint val="64000"/>
-                <a:lumMod val="118000"/>
+                <a:tint val="62000"/>
+                <a:satMod val="180000"/>
+              </a:schemeClr>
+            </a:gs>
+            <a:gs pos="65000">
+              <a:schemeClr val="phClr">
+                <a:tint val="32000"/>
+                <a:satMod val="250000"/>
               </a:schemeClr>
             </a:gs>
             <a:gs pos="100000">
               <a:schemeClr val="phClr">
-                <a:tint val="92000"/>
-                <a:alpha val="100000"/>
-                <a:lumMod val="110000"/>
+                <a:tint val="23000"/>
+                <a:satMod val="300000"/>
               </a:schemeClr>
             </a:gs>
           </a:gsLst>
-          <a:lin ang="5400000" scaled="0"/>
+          <a:lin ang="16200000" scaled="0"/>
         </a:gradFill>
         <a:gradFill rotWithShape="1">
           <a:gsLst>
             <a:gs pos="0">
               <a:schemeClr val="phClr">
-                <a:tint val="98000"/>
-                <a:lumMod val="114000"/>
+                <a:shade val="15000"/>
+                <a:satMod val="180000"/>
+              </a:schemeClr>
+            </a:gs>
+            <a:gs pos="50000">
+              <a:schemeClr val="phClr">
+                <a:shade val="45000"/>
+                <a:satMod val="170000"/>
+              </a:schemeClr>
+            </a:gs>
+            <a:gs pos="70000">
+              <a:schemeClr val="phClr">
+                <a:tint val="99000"/>
+                <a:shade val="65000"/>
+                <a:satMod val="155000"/>
               </a:schemeClr>
             </a:gs>
             <a:gs pos="100000">
               <a:schemeClr val="phClr">
-                <a:shade val="90000"/>
-                <a:lumMod val="84000"/>
+                <a:tint val="95500"/>
+                <a:shade val="100000"/>
+                <a:satMod val="155000"/>
               </a:schemeClr>
             </a:gs>
           </a:gsLst>
-          <a:lin ang="5400000" scaled="0"/>
+          <a:lin ang="16200000" scaled="0"/>
         </a:gradFill>
       </a:fillStyleLst>
       <a:lnStyleLst>
-        <a:ln w="9525" cap="rnd" cmpd="sng" algn="ctr">
+        <a:ln w="12700" cap="flat" cmpd="sng" algn="ctr">
           <a:solidFill>
-            <a:schemeClr val="phClr"/>
+            <a:schemeClr val="phClr">
+              <a:tint val="95000"/>
+              <a:shade val="95000"/>
+              <a:satMod val="120000"/>
+            </a:schemeClr>
           </a:solidFill>
           <a:prstDash val="solid"/>
         </a:ln>
-        <a:ln w="19050" cap="rnd" cmpd="sng" algn="ctr">
+        <a:ln w="55000" cap="flat" cmpd="thickThin" algn="ctr">
           <a:solidFill>
-            <a:schemeClr val="phClr"/>
+            <a:schemeClr val="phClr">
+              <a:tint val="90000"/>
+              <a:satMod val="130000"/>
+            </a:schemeClr>
           </a:solidFill>
           <a:prstDash val="solid"/>
         </a:ln>
-        <a:ln w="28575" cap="rnd" cmpd="sng" algn="ctr">
+        <a:ln w="50800" cap="flat" cmpd="sng" algn="ctr">
           <a:solidFill>
             <a:schemeClr val="phClr"/>
           </a:solidFill>
@@ -8815,13 +11319,19 @@
       </a:lnStyleLst>
       <a:effectStyleLst>
         <a:effectStyle>
-          <a:effectLst/>
+          <a:effectLst>
+            <a:outerShdw blurRad="50800" dist="38100" dir="5400000" rotWithShape="0">
+              <a:srgbClr val="000000">
+                <a:alpha val="35000"/>
+              </a:srgbClr>
+            </a:outerShdw>
+          </a:effectLst>
         </a:effectStyle>
         <a:effectStyle>
           <a:effectLst>
-            <a:outerShdw blurRad="38100" dist="25400" dir="5400000" rotWithShape="0">
+            <a:outerShdw blurRad="50800" dist="38100" dir="5400000" rotWithShape="0">
               <a:srgbClr val="000000">
-                <a:alpha val="45000"/>
+                <a:alpha val="35000"/>
               </a:srgbClr>
             </a:outerShdw>
           </a:effectLst>
@@ -8830,7 +11340,7 @@
           <a:effectLst>
             <a:outerShdw blurRad="63500" dist="38100" dir="5400000" rotWithShape="0">
               <a:srgbClr val="000000">
-                <a:alpha val="60000"/>
+                <a:alpha val="45000"/>
               </a:srgbClr>
             </a:outerShdw>
           </a:effectLst>
@@ -8838,10 +11348,17 @@
             <a:camera prst="orthographicFront">
               <a:rot lat="0" lon="0" rev="0"/>
             </a:camera>
-            <a:lightRig rig="threePt" dir="tl"/>
+            <a:lightRig rig="glow" dir="t">
+              <a:rot lat="0" lon="0" rev="6360000"/>
+            </a:lightRig>
           </a:scene3d>
-          <a:sp3d prstMaterial="plastic">
-            <a:bevelT w="0" h="0"/>
+          <a:sp3d contourW="1000" prstMaterial="flat">
+            <a:bevelT w="95250" h="101600"/>
+            <a:contourClr>
+              <a:schemeClr val="phClr">
+                <a:satMod val="300000"/>
+              </a:schemeClr>
+            </a:contourClr>
           </a:sp3d>
         </a:effectStyle>
       </a:effectStyleLst>
